--- a/files/powerpoint/pp_force_pos.pptx
+++ b/files/powerpoint/pp_force_pos.pptx
@@ -5,7 +5,7 @@
     <p:sldMasterId r:id="rId1" id="2147483648"/>
   </p:sldMasterIdLst>
   <p:sldIdLst>
-    <p:sldId r:id="rId6" id="890993370"/>
+    <p:sldId r:id="rId6" id="79086506"/>
   </p:sldIdLst>
   <p:sldSz cy="6858000" cx="12192000"/>
   <p:notesSz cy="9144000" cx="6858000"/>
@@ -2801,7 +2801,7 @@
           <p:spPr>
             <a:xfrm>
               <a:off y="914400" x="914400"/>
-              <a:ext cy="4572000" cx="5486400"/>
+              <a:ext cy="4572000" cx="5486399"/>
             </a:xfrm>
             <a:prstGeom prst="rect">
               <a:avLst/>
@@ -2811,7 +2811,7 @@
                 <a:alpha val="100000"/>
               </a:srgbClr>
             </a:solidFill>
-            <a:ln cap="rnd" w="9525">
+            <a:ln cap="rnd" w="13550">
               <a:solidFill>
                 <a:srgbClr val="FFFFFF">
                   <a:alpha val="100000"/>
@@ -2835,41 +2835,6 @@
           </p:nvSpPr>
           <p:spPr>
             <a:xfrm>
-              <a:off y="914400" x="914400"/>
-              <a:ext cy="4572000" cx="5486399"/>
-            </a:xfrm>
-            <a:prstGeom prst="rect">
-              <a:avLst/>
-            </a:prstGeom>
-            <a:solidFill>
-              <a:srgbClr val="FFFFFF">
-                <a:alpha val="100000"/>
-              </a:srgbClr>
-            </a:solidFill>
-            <a:ln cap="rnd" w="13550">
-              <a:solidFill>
-                <a:srgbClr val="FFFFFF">
-                  <a:alpha val="100000"/>
-                </a:srgbClr>
-              </a:solidFill>
-              <a:prstDash val="solid"/>
-              <a:round/>
-            </a:ln>
-          </p:spPr>
-          <p:txBody>
-            <a:bodyPr/>
-            <a:lstStyle/>
-            <a:p/>
-          </p:txBody>
-        </p:sp>
-        <p:sp>
-          <p:nvSpPr>
-            <p:cNvPr name="rc6" id="6"/>
-            <p:cNvSpPr/>
-            <p:nvPr/>
-          </p:nvSpPr>
-          <p:spPr>
-            <a:xfrm>
               <a:off y="983989" x="1275037"/>
               <a:ext cy="4127803" cx="4059526"/>
             </a:xfrm>
@@ -2890,7 +2855,7 @@
         </p:sp>
         <p:sp>
           <p:nvSpPr>
-            <p:cNvPr name="pl7" id="7"/>
+            <p:cNvPr name="pl6" id="6"/>
             <p:cNvSpPr/>
             <p:nvPr/>
           </p:nvSpPr>
@@ -2933,7 +2898,7 @@
         </p:sp>
         <p:sp>
           <p:nvSpPr>
-            <p:cNvPr name="pl8" id="8"/>
+            <p:cNvPr name="pl7" id="7"/>
             <p:cNvSpPr/>
             <p:nvPr/>
           </p:nvSpPr>
@@ -2976,7 +2941,7 @@
         </p:sp>
         <p:sp>
           <p:nvSpPr>
-            <p:cNvPr name="pl9" id="9"/>
+            <p:cNvPr name="pl8" id="8"/>
             <p:cNvSpPr/>
             <p:nvPr/>
           </p:nvSpPr>
@@ -3019,7 +2984,7 @@
         </p:sp>
         <p:sp>
           <p:nvSpPr>
-            <p:cNvPr name="pl10" id="10"/>
+            <p:cNvPr name="pl9" id="9"/>
             <p:cNvSpPr/>
             <p:nvPr/>
           </p:nvSpPr>
@@ -3062,7 +3027,7 @@
         </p:sp>
         <p:sp>
           <p:nvSpPr>
-            <p:cNvPr name="pl11" id="11"/>
+            <p:cNvPr name="pl10" id="10"/>
             <p:cNvSpPr/>
             <p:nvPr/>
           </p:nvSpPr>
@@ -3105,7 +3070,7 @@
         </p:sp>
         <p:sp>
           <p:nvSpPr>
-            <p:cNvPr name="pl12" id="12"/>
+            <p:cNvPr name="pl11" id="11"/>
             <p:cNvSpPr/>
             <p:nvPr/>
           </p:nvSpPr>
@@ -3148,7 +3113,7 @@
         </p:sp>
         <p:sp>
           <p:nvSpPr>
-            <p:cNvPr name="pl13" id="13"/>
+            <p:cNvPr name="pl12" id="12"/>
             <p:cNvSpPr/>
             <p:nvPr/>
           </p:nvSpPr>
@@ -3191,7 +3156,7 @@
         </p:sp>
         <p:sp>
           <p:nvSpPr>
-            <p:cNvPr name="pl14" id="14"/>
+            <p:cNvPr name="pl13" id="13"/>
             <p:cNvSpPr/>
             <p:nvPr/>
           </p:nvSpPr>
@@ -3234,7 +3199,7 @@
         </p:sp>
         <p:sp>
           <p:nvSpPr>
-            <p:cNvPr name="pl15" id="15"/>
+            <p:cNvPr name="pl14" id="14"/>
             <p:cNvSpPr/>
             <p:nvPr/>
           </p:nvSpPr>
@@ -3277,7 +3242,7 @@
         </p:sp>
         <p:sp>
           <p:nvSpPr>
-            <p:cNvPr name="pl16" id="16"/>
+            <p:cNvPr name="pl15" id="15"/>
             <p:cNvSpPr/>
             <p:nvPr/>
           </p:nvSpPr>
@@ -3320,7 +3285,7 @@
         </p:sp>
         <p:sp>
           <p:nvSpPr>
-            <p:cNvPr name="pl17" id="17"/>
+            <p:cNvPr name="pl16" id="16"/>
             <p:cNvSpPr/>
             <p:nvPr/>
           </p:nvSpPr>
@@ -3363,7 +3328,7 @@
         </p:sp>
         <p:sp>
           <p:nvSpPr>
-            <p:cNvPr name="pl18" id="18"/>
+            <p:cNvPr name="pl17" id="17"/>
             <p:cNvSpPr/>
             <p:nvPr/>
           </p:nvSpPr>
@@ -3406,7 +3371,7 @@
         </p:sp>
         <p:sp>
           <p:nvSpPr>
-            <p:cNvPr name="pl19" id="19"/>
+            <p:cNvPr name="pl18" id="18"/>
             <p:cNvSpPr/>
             <p:nvPr/>
           </p:nvSpPr>
@@ -3449,7 +3414,7 @@
         </p:sp>
         <p:sp>
           <p:nvSpPr>
-            <p:cNvPr name="pl20" id="20"/>
+            <p:cNvPr name="pl19" id="19"/>
             <p:cNvSpPr/>
             <p:nvPr/>
           </p:nvSpPr>
@@ -3492,7 +3457,7 @@
         </p:sp>
         <p:sp>
           <p:nvSpPr>
-            <p:cNvPr name="pl21" id="21"/>
+            <p:cNvPr name="pl20" id="20"/>
             <p:cNvSpPr/>
             <p:nvPr/>
           </p:nvSpPr>
@@ -3535,7 +3500,7 @@
         </p:sp>
         <p:sp>
           <p:nvSpPr>
-            <p:cNvPr name="pt22" id="22"/>
+            <p:cNvPr name="pt21" id="21"/>
             <p:cNvSpPr/>
             <p:nvPr/>
           </p:nvSpPr>
@@ -3570,7 +3535,7 @@
         </p:sp>
         <p:sp>
           <p:nvSpPr>
-            <p:cNvPr name="pt23" id="23"/>
+            <p:cNvPr name="pt22" id="22"/>
             <p:cNvSpPr/>
             <p:nvPr/>
           </p:nvSpPr>
@@ -3605,7 +3570,7 @@
         </p:sp>
         <p:sp>
           <p:nvSpPr>
-            <p:cNvPr name="pt24" id="24"/>
+            <p:cNvPr name="pt23" id="23"/>
             <p:cNvSpPr/>
             <p:nvPr/>
           </p:nvSpPr>
@@ -3640,7 +3605,7 @@
         </p:sp>
         <p:sp>
           <p:nvSpPr>
-            <p:cNvPr name="pt25" id="25"/>
+            <p:cNvPr name="pt24" id="24"/>
             <p:cNvSpPr/>
             <p:nvPr/>
           </p:nvSpPr>
@@ -3675,7 +3640,7 @@
         </p:sp>
         <p:sp>
           <p:nvSpPr>
-            <p:cNvPr name="pt26" id="26"/>
+            <p:cNvPr name="pt25" id="25"/>
             <p:cNvSpPr/>
             <p:nvPr/>
           </p:nvSpPr>
@@ -3710,7 +3675,7 @@
         </p:sp>
         <p:sp>
           <p:nvSpPr>
-            <p:cNvPr name="pt27" id="27"/>
+            <p:cNvPr name="pt26" id="26"/>
             <p:cNvSpPr/>
             <p:nvPr/>
           </p:nvSpPr>
@@ -3745,7 +3710,7 @@
         </p:sp>
         <p:sp>
           <p:nvSpPr>
-            <p:cNvPr name="pt28" id="28"/>
+            <p:cNvPr name="pt27" id="27"/>
             <p:cNvSpPr/>
             <p:nvPr/>
           </p:nvSpPr>
@@ -3780,7 +3745,7 @@
         </p:sp>
         <p:sp>
           <p:nvSpPr>
-            <p:cNvPr name="pt29" id="29"/>
+            <p:cNvPr name="pt28" id="28"/>
             <p:cNvSpPr/>
             <p:nvPr/>
           </p:nvSpPr>
@@ -3815,7 +3780,7 @@
         </p:sp>
         <p:sp>
           <p:nvSpPr>
-            <p:cNvPr name="pt30" id="30"/>
+            <p:cNvPr name="pt29" id="29"/>
             <p:cNvSpPr/>
             <p:nvPr/>
           </p:nvSpPr>
@@ -3850,7 +3815,7 @@
         </p:sp>
         <p:sp>
           <p:nvSpPr>
-            <p:cNvPr name="pt31" id="31"/>
+            <p:cNvPr name="pt30" id="30"/>
             <p:cNvSpPr/>
             <p:nvPr/>
           </p:nvSpPr>
@@ -3885,7 +3850,7 @@
         </p:sp>
         <p:sp>
           <p:nvSpPr>
-            <p:cNvPr name="pt32" id="32"/>
+            <p:cNvPr name="pt31" id="31"/>
             <p:cNvSpPr/>
             <p:nvPr/>
           </p:nvSpPr>
@@ -3920,7 +3885,7 @@
         </p:sp>
         <p:sp>
           <p:nvSpPr>
-            <p:cNvPr name="pt33" id="33"/>
+            <p:cNvPr name="pt32" id="32"/>
             <p:cNvSpPr/>
             <p:nvPr/>
           </p:nvSpPr>
@@ -3955,7 +3920,7 @@
         </p:sp>
         <p:sp>
           <p:nvSpPr>
-            <p:cNvPr name="pt34" id="34"/>
+            <p:cNvPr name="pt33" id="33"/>
             <p:cNvSpPr/>
             <p:nvPr/>
           </p:nvSpPr>
@@ -3990,7 +3955,7 @@
         </p:sp>
         <p:sp>
           <p:nvSpPr>
-            <p:cNvPr name="pt35" id="35"/>
+            <p:cNvPr name="pt34" id="34"/>
             <p:cNvSpPr/>
             <p:nvPr/>
           </p:nvSpPr>
@@ -4025,7 +3990,7 @@
         </p:sp>
         <p:sp>
           <p:nvSpPr>
-            <p:cNvPr name="pt36" id="36"/>
+            <p:cNvPr name="pt35" id="35"/>
             <p:cNvSpPr/>
             <p:nvPr/>
           </p:nvSpPr>
@@ -4060,7 +4025,7 @@
         </p:sp>
         <p:sp>
           <p:nvSpPr>
-            <p:cNvPr name="pt37" id="37"/>
+            <p:cNvPr name="pt36" id="36"/>
             <p:cNvSpPr/>
             <p:nvPr/>
           </p:nvSpPr>
@@ -4095,7 +4060,7 @@
         </p:sp>
         <p:sp>
           <p:nvSpPr>
-            <p:cNvPr name="pt38" id="38"/>
+            <p:cNvPr name="pt37" id="37"/>
             <p:cNvSpPr/>
             <p:nvPr/>
           </p:nvSpPr>
@@ -4130,7 +4095,7 @@
         </p:sp>
         <p:sp>
           <p:nvSpPr>
-            <p:cNvPr name="pt39" id="39"/>
+            <p:cNvPr name="pt38" id="38"/>
             <p:cNvSpPr/>
             <p:nvPr/>
           </p:nvSpPr>
@@ -4165,7 +4130,7 @@
         </p:sp>
         <p:sp>
           <p:nvSpPr>
-            <p:cNvPr name="pt40" id="40"/>
+            <p:cNvPr name="pt39" id="39"/>
             <p:cNvSpPr/>
             <p:nvPr/>
           </p:nvSpPr>
@@ -4200,7 +4165,7 @@
         </p:sp>
         <p:sp>
           <p:nvSpPr>
-            <p:cNvPr name="pt41" id="41"/>
+            <p:cNvPr name="pt40" id="40"/>
             <p:cNvSpPr/>
             <p:nvPr/>
           </p:nvSpPr>
@@ -4235,7 +4200,7 @@
         </p:sp>
         <p:sp>
           <p:nvSpPr>
-            <p:cNvPr name="pt42" id="42"/>
+            <p:cNvPr name="pt41" id="41"/>
             <p:cNvSpPr/>
             <p:nvPr/>
           </p:nvSpPr>
@@ -4270,7 +4235,7 @@
         </p:sp>
         <p:sp>
           <p:nvSpPr>
-            <p:cNvPr name="pt43" id="43"/>
+            <p:cNvPr name="pt42" id="42"/>
             <p:cNvSpPr/>
             <p:nvPr/>
           </p:nvSpPr>
@@ -4305,7 +4270,7 @@
         </p:sp>
         <p:sp>
           <p:nvSpPr>
-            <p:cNvPr name="pt44" id="44"/>
+            <p:cNvPr name="pt43" id="43"/>
             <p:cNvSpPr/>
             <p:nvPr/>
           </p:nvSpPr>
@@ -4340,7 +4305,7 @@
         </p:sp>
         <p:sp>
           <p:nvSpPr>
-            <p:cNvPr name="pt45" id="45"/>
+            <p:cNvPr name="pt44" id="44"/>
             <p:cNvSpPr/>
             <p:nvPr/>
           </p:nvSpPr>
@@ -4375,7 +4340,7 @@
         </p:sp>
         <p:sp>
           <p:nvSpPr>
-            <p:cNvPr name="pt46" id="46"/>
+            <p:cNvPr name="pt45" id="45"/>
             <p:cNvSpPr/>
             <p:nvPr/>
           </p:nvSpPr>
@@ -4410,7 +4375,7 @@
         </p:sp>
         <p:sp>
           <p:nvSpPr>
-            <p:cNvPr name="pt47" id="47"/>
+            <p:cNvPr name="pt46" id="46"/>
             <p:cNvSpPr/>
             <p:nvPr/>
           </p:nvSpPr>
@@ -4445,7 +4410,7 @@
         </p:sp>
         <p:sp>
           <p:nvSpPr>
-            <p:cNvPr name="pt48" id="48"/>
+            <p:cNvPr name="pt47" id="47"/>
             <p:cNvSpPr/>
             <p:nvPr/>
           </p:nvSpPr>
@@ -4480,7 +4445,7 @@
         </p:sp>
         <p:sp>
           <p:nvSpPr>
-            <p:cNvPr name="pt49" id="49"/>
+            <p:cNvPr name="pt48" id="48"/>
             <p:cNvSpPr/>
             <p:nvPr/>
           </p:nvSpPr>
@@ -4515,7 +4480,7 @@
         </p:sp>
         <p:sp>
           <p:nvSpPr>
-            <p:cNvPr name="pt50" id="50"/>
+            <p:cNvPr name="pt49" id="49"/>
             <p:cNvSpPr/>
             <p:nvPr/>
           </p:nvSpPr>
@@ -4550,7 +4515,7 @@
         </p:sp>
         <p:sp>
           <p:nvSpPr>
-            <p:cNvPr name="pt51" id="51"/>
+            <p:cNvPr name="pt50" id="50"/>
             <p:cNvSpPr/>
             <p:nvPr/>
           </p:nvSpPr>
@@ -4585,7 +4550,7 @@
         </p:sp>
         <p:sp>
           <p:nvSpPr>
-            <p:cNvPr name="pt52" id="52"/>
+            <p:cNvPr name="pt51" id="51"/>
             <p:cNvSpPr/>
             <p:nvPr/>
           </p:nvSpPr>
@@ -4620,7 +4585,7 @@
         </p:sp>
         <p:sp>
           <p:nvSpPr>
-            <p:cNvPr name="pt53" id="53"/>
+            <p:cNvPr name="pt52" id="52"/>
             <p:cNvSpPr/>
             <p:nvPr/>
           </p:nvSpPr>
@@ -4655,7 +4620,7 @@
         </p:sp>
         <p:sp>
           <p:nvSpPr>
-            <p:cNvPr name="pt54" id="54"/>
+            <p:cNvPr name="pt53" id="53"/>
             <p:cNvSpPr/>
             <p:nvPr/>
           </p:nvSpPr>
@@ -4690,7 +4655,7 @@
         </p:sp>
         <p:sp>
           <p:nvSpPr>
-            <p:cNvPr name="pt55" id="55"/>
+            <p:cNvPr name="pt54" id="54"/>
             <p:cNvSpPr/>
             <p:nvPr/>
           </p:nvSpPr>
@@ -4725,7 +4690,7 @@
         </p:sp>
         <p:sp>
           <p:nvSpPr>
-            <p:cNvPr name="pt56" id="56"/>
+            <p:cNvPr name="pt55" id="55"/>
             <p:cNvSpPr/>
             <p:nvPr/>
           </p:nvSpPr>
@@ -4760,7 +4725,7 @@
         </p:sp>
         <p:sp>
           <p:nvSpPr>
-            <p:cNvPr name="pt57" id="57"/>
+            <p:cNvPr name="pt56" id="56"/>
             <p:cNvSpPr/>
             <p:nvPr/>
           </p:nvSpPr>
@@ -4795,7 +4760,7 @@
         </p:sp>
         <p:sp>
           <p:nvSpPr>
-            <p:cNvPr name="pt58" id="58"/>
+            <p:cNvPr name="pt57" id="57"/>
             <p:cNvSpPr/>
             <p:nvPr/>
           </p:nvSpPr>
@@ -4830,7 +4795,7 @@
         </p:sp>
         <p:sp>
           <p:nvSpPr>
-            <p:cNvPr name="pt59" id="59"/>
+            <p:cNvPr name="pt58" id="58"/>
             <p:cNvSpPr/>
             <p:nvPr/>
           </p:nvSpPr>
@@ -4865,7 +4830,7 @@
         </p:sp>
         <p:sp>
           <p:nvSpPr>
-            <p:cNvPr name="pt60" id="60"/>
+            <p:cNvPr name="pt59" id="59"/>
             <p:cNvSpPr/>
             <p:nvPr/>
           </p:nvSpPr>
@@ -4900,7 +4865,7 @@
         </p:sp>
         <p:sp>
           <p:nvSpPr>
-            <p:cNvPr name="pt61" id="61"/>
+            <p:cNvPr name="pt60" id="60"/>
             <p:cNvSpPr/>
             <p:nvPr/>
           </p:nvSpPr>
@@ -4935,7 +4900,7 @@
         </p:sp>
         <p:sp>
           <p:nvSpPr>
-            <p:cNvPr name="pt62" id="62"/>
+            <p:cNvPr name="pt61" id="61"/>
             <p:cNvSpPr/>
             <p:nvPr/>
           </p:nvSpPr>
@@ -4970,7 +4935,7 @@
         </p:sp>
         <p:sp>
           <p:nvSpPr>
-            <p:cNvPr name="pt63" id="63"/>
+            <p:cNvPr name="pt62" id="62"/>
             <p:cNvSpPr/>
             <p:nvPr/>
           </p:nvSpPr>
@@ -5005,7 +4970,7 @@
         </p:sp>
         <p:sp>
           <p:nvSpPr>
-            <p:cNvPr name="pt64" id="64"/>
+            <p:cNvPr name="pt63" id="63"/>
             <p:cNvSpPr/>
             <p:nvPr/>
           </p:nvSpPr>
@@ -5040,7 +5005,7 @@
         </p:sp>
         <p:sp>
           <p:nvSpPr>
-            <p:cNvPr name="pt65" id="65"/>
+            <p:cNvPr name="pt64" id="64"/>
             <p:cNvSpPr/>
             <p:nvPr/>
           </p:nvSpPr>
@@ -5075,7 +5040,7 @@
         </p:sp>
         <p:sp>
           <p:nvSpPr>
-            <p:cNvPr name="pt66" id="66"/>
+            <p:cNvPr name="pt65" id="65"/>
             <p:cNvSpPr/>
             <p:nvPr/>
           </p:nvSpPr>
@@ -5110,7 +5075,7 @@
         </p:sp>
         <p:sp>
           <p:nvSpPr>
-            <p:cNvPr name="pt67" id="67"/>
+            <p:cNvPr name="pt66" id="66"/>
             <p:cNvSpPr/>
             <p:nvPr/>
           </p:nvSpPr>
@@ -5145,7 +5110,7 @@
         </p:sp>
         <p:sp>
           <p:nvSpPr>
-            <p:cNvPr name="pt68" id="68"/>
+            <p:cNvPr name="pt67" id="67"/>
             <p:cNvSpPr/>
             <p:nvPr/>
           </p:nvSpPr>
@@ -5180,7 +5145,7 @@
         </p:sp>
         <p:sp>
           <p:nvSpPr>
-            <p:cNvPr name="pt69" id="69"/>
+            <p:cNvPr name="pt68" id="68"/>
             <p:cNvSpPr/>
             <p:nvPr/>
           </p:nvSpPr>
@@ -5215,7 +5180,7 @@
         </p:sp>
         <p:sp>
           <p:nvSpPr>
-            <p:cNvPr name="pt70" id="70"/>
+            <p:cNvPr name="pt69" id="69"/>
             <p:cNvSpPr/>
             <p:nvPr/>
           </p:nvSpPr>
@@ -5250,7 +5215,7 @@
         </p:sp>
         <p:sp>
           <p:nvSpPr>
-            <p:cNvPr name="pt71" id="71"/>
+            <p:cNvPr name="pt70" id="70"/>
             <p:cNvSpPr/>
             <p:nvPr/>
           </p:nvSpPr>
@@ -5285,7 +5250,7 @@
         </p:sp>
         <p:sp>
           <p:nvSpPr>
-            <p:cNvPr name="pt72" id="72"/>
+            <p:cNvPr name="pt71" id="71"/>
             <p:cNvSpPr/>
             <p:nvPr/>
           </p:nvSpPr>
@@ -5320,7 +5285,7 @@
         </p:sp>
         <p:sp>
           <p:nvSpPr>
-            <p:cNvPr name="pt73" id="73"/>
+            <p:cNvPr name="pt72" id="72"/>
             <p:cNvSpPr/>
             <p:nvPr/>
           </p:nvSpPr>
@@ -5355,7 +5320,7 @@
         </p:sp>
         <p:sp>
           <p:nvSpPr>
-            <p:cNvPr name="pt74" id="74"/>
+            <p:cNvPr name="pt73" id="73"/>
             <p:cNvSpPr/>
             <p:nvPr/>
           </p:nvSpPr>
@@ -5390,7 +5355,7 @@
         </p:sp>
         <p:sp>
           <p:nvSpPr>
-            <p:cNvPr name="pt75" id="75"/>
+            <p:cNvPr name="pt74" id="74"/>
             <p:cNvSpPr/>
             <p:nvPr/>
           </p:nvSpPr>
@@ -5425,7 +5390,7 @@
         </p:sp>
         <p:sp>
           <p:nvSpPr>
-            <p:cNvPr name="pt76" id="76"/>
+            <p:cNvPr name="pt75" id="75"/>
             <p:cNvSpPr/>
             <p:nvPr/>
           </p:nvSpPr>
@@ -5460,7 +5425,7 @@
         </p:sp>
         <p:sp>
           <p:nvSpPr>
-            <p:cNvPr name="pt77" id="77"/>
+            <p:cNvPr name="pt76" id="76"/>
             <p:cNvSpPr/>
             <p:nvPr/>
           </p:nvSpPr>
@@ -5495,7 +5460,7 @@
         </p:sp>
         <p:sp>
           <p:nvSpPr>
-            <p:cNvPr name="pt78" id="78"/>
+            <p:cNvPr name="pt77" id="77"/>
             <p:cNvSpPr/>
             <p:nvPr/>
           </p:nvSpPr>
@@ -5530,7 +5495,7 @@
         </p:sp>
         <p:sp>
           <p:nvSpPr>
-            <p:cNvPr name="pt79" id="79"/>
+            <p:cNvPr name="pt78" id="78"/>
             <p:cNvSpPr/>
             <p:nvPr/>
           </p:nvSpPr>
@@ -5565,7 +5530,7 @@
         </p:sp>
         <p:sp>
           <p:nvSpPr>
-            <p:cNvPr name="pt80" id="80"/>
+            <p:cNvPr name="pt79" id="79"/>
             <p:cNvSpPr/>
             <p:nvPr/>
           </p:nvSpPr>
@@ -5600,7 +5565,7 @@
         </p:sp>
         <p:sp>
           <p:nvSpPr>
-            <p:cNvPr name="pt81" id="81"/>
+            <p:cNvPr name="pt80" id="80"/>
             <p:cNvSpPr/>
             <p:nvPr/>
           </p:nvSpPr>
@@ -5635,7 +5600,7 @@
         </p:sp>
         <p:sp>
           <p:nvSpPr>
-            <p:cNvPr name="pt82" id="82"/>
+            <p:cNvPr name="pt81" id="81"/>
             <p:cNvSpPr/>
             <p:nvPr/>
           </p:nvSpPr>
@@ -5670,7 +5635,7 @@
         </p:sp>
         <p:sp>
           <p:nvSpPr>
-            <p:cNvPr name="pt83" id="83"/>
+            <p:cNvPr name="pt82" id="82"/>
             <p:cNvSpPr/>
             <p:nvPr/>
           </p:nvSpPr>
@@ -5705,7 +5670,7 @@
         </p:sp>
         <p:sp>
           <p:nvSpPr>
-            <p:cNvPr name="pt84" id="84"/>
+            <p:cNvPr name="pt83" id="83"/>
             <p:cNvSpPr/>
             <p:nvPr/>
           </p:nvSpPr>
@@ -5740,7 +5705,7 @@
         </p:sp>
         <p:sp>
           <p:nvSpPr>
-            <p:cNvPr name="pt85" id="85"/>
+            <p:cNvPr name="pt84" id="84"/>
             <p:cNvSpPr/>
             <p:nvPr/>
           </p:nvSpPr>
@@ -5775,7 +5740,7 @@
         </p:sp>
         <p:sp>
           <p:nvSpPr>
-            <p:cNvPr name="pt86" id="86"/>
+            <p:cNvPr name="pt85" id="85"/>
             <p:cNvSpPr/>
             <p:nvPr/>
           </p:nvSpPr>
@@ -5810,7 +5775,7 @@
         </p:sp>
         <p:sp>
           <p:nvSpPr>
-            <p:cNvPr name="pt87" id="87"/>
+            <p:cNvPr name="pt86" id="86"/>
             <p:cNvSpPr/>
             <p:nvPr/>
           </p:nvSpPr>
@@ -5845,7 +5810,7 @@
         </p:sp>
         <p:sp>
           <p:nvSpPr>
-            <p:cNvPr name="pt88" id="88"/>
+            <p:cNvPr name="pt87" id="87"/>
             <p:cNvSpPr/>
             <p:nvPr/>
           </p:nvSpPr>
@@ -5880,7 +5845,7 @@
         </p:sp>
         <p:sp>
           <p:nvSpPr>
-            <p:cNvPr name="pt89" id="89"/>
+            <p:cNvPr name="pt88" id="88"/>
             <p:cNvSpPr/>
             <p:nvPr/>
           </p:nvSpPr>
@@ -5915,7 +5880,7 @@
         </p:sp>
         <p:sp>
           <p:nvSpPr>
-            <p:cNvPr name="pt90" id="90"/>
+            <p:cNvPr name="pt89" id="89"/>
             <p:cNvSpPr/>
             <p:nvPr/>
           </p:nvSpPr>
@@ -5950,7 +5915,7 @@
         </p:sp>
         <p:sp>
           <p:nvSpPr>
-            <p:cNvPr name="pt91" id="91"/>
+            <p:cNvPr name="pt90" id="90"/>
             <p:cNvSpPr/>
             <p:nvPr/>
           </p:nvSpPr>
@@ -5985,7 +5950,7 @@
         </p:sp>
         <p:sp>
           <p:nvSpPr>
-            <p:cNvPr name="pt92" id="92"/>
+            <p:cNvPr name="pt91" id="91"/>
             <p:cNvSpPr/>
             <p:nvPr/>
           </p:nvSpPr>
@@ -6020,7 +5985,7 @@
         </p:sp>
         <p:sp>
           <p:nvSpPr>
-            <p:cNvPr name="pt93" id="93"/>
+            <p:cNvPr name="pt92" id="92"/>
             <p:cNvSpPr/>
             <p:nvPr/>
           </p:nvSpPr>
@@ -6055,7 +6020,7 @@
         </p:sp>
         <p:sp>
           <p:nvSpPr>
-            <p:cNvPr name="pt94" id="94"/>
+            <p:cNvPr name="pt93" id="93"/>
             <p:cNvSpPr/>
             <p:nvPr/>
           </p:nvSpPr>
@@ -6090,7 +6055,7 @@
         </p:sp>
         <p:sp>
           <p:nvSpPr>
-            <p:cNvPr name="pt95" id="95"/>
+            <p:cNvPr name="pt94" id="94"/>
             <p:cNvSpPr/>
             <p:nvPr/>
           </p:nvSpPr>
@@ -6125,7 +6090,7 @@
         </p:sp>
         <p:sp>
           <p:nvSpPr>
-            <p:cNvPr name="pt96" id="96"/>
+            <p:cNvPr name="pt95" id="95"/>
             <p:cNvSpPr/>
             <p:nvPr/>
           </p:nvSpPr>
@@ -6160,7 +6125,7 @@
         </p:sp>
         <p:sp>
           <p:nvSpPr>
-            <p:cNvPr name="pt97" id="97"/>
+            <p:cNvPr name="pt96" id="96"/>
             <p:cNvSpPr/>
             <p:nvPr/>
           </p:nvSpPr>
@@ -6195,7 +6160,7 @@
         </p:sp>
         <p:sp>
           <p:nvSpPr>
-            <p:cNvPr name="pt98" id="98"/>
+            <p:cNvPr name="pt97" id="97"/>
             <p:cNvSpPr/>
             <p:nvPr/>
           </p:nvSpPr>
@@ -6230,7 +6195,7 @@
         </p:sp>
         <p:sp>
           <p:nvSpPr>
-            <p:cNvPr name="pt99" id="99"/>
+            <p:cNvPr name="pt98" id="98"/>
             <p:cNvSpPr/>
             <p:nvPr/>
           </p:nvSpPr>
@@ -6265,7 +6230,7 @@
         </p:sp>
         <p:sp>
           <p:nvSpPr>
-            <p:cNvPr name="pt100" id="100"/>
+            <p:cNvPr name="pt99" id="99"/>
             <p:cNvSpPr/>
             <p:nvPr/>
           </p:nvSpPr>
@@ -6300,7 +6265,7 @@
         </p:sp>
         <p:sp>
           <p:nvSpPr>
-            <p:cNvPr name="pt101" id="101"/>
+            <p:cNvPr name="pt100" id="100"/>
             <p:cNvSpPr/>
             <p:nvPr/>
           </p:nvSpPr>
@@ -6335,7 +6300,7 @@
         </p:sp>
         <p:sp>
           <p:nvSpPr>
-            <p:cNvPr name="pt102" id="102"/>
+            <p:cNvPr name="pt101" id="101"/>
             <p:cNvSpPr/>
             <p:nvPr/>
           </p:nvSpPr>
@@ -6370,7 +6335,7 @@
         </p:sp>
         <p:sp>
           <p:nvSpPr>
-            <p:cNvPr name="pt103" id="103"/>
+            <p:cNvPr name="pt102" id="102"/>
             <p:cNvSpPr/>
             <p:nvPr/>
           </p:nvSpPr>
@@ -6405,7 +6370,7 @@
         </p:sp>
         <p:sp>
           <p:nvSpPr>
-            <p:cNvPr name="pt104" id="104"/>
+            <p:cNvPr name="pt103" id="103"/>
             <p:cNvSpPr/>
             <p:nvPr/>
           </p:nvSpPr>
@@ -6440,7 +6405,7 @@
         </p:sp>
         <p:sp>
           <p:nvSpPr>
-            <p:cNvPr name="pt105" id="105"/>
+            <p:cNvPr name="pt104" id="104"/>
             <p:cNvSpPr/>
             <p:nvPr/>
           </p:nvSpPr>
@@ -6475,7 +6440,7 @@
         </p:sp>
         <p:sp>
           <p:nvSpPr>
-            <p:cNvPr name="pt106" id="106"/>
+            <p:cNvPr name="pt105" id="105"/>
             <p:cNvSpPr/>
             <p:nvPr/>
           </p:nvSpPr>
@@ -6510,7 +6475,7 @@
         </p:sp>
         <p:sp>
           <p:nvSpPr>
-            <p:cNvPr name="pt107" id="107"/>
+            <p:cNvPr name="pt106" id="106"/>
             <p:cNvSpPr/>
             <p:nvPr/>
           </p:nvSpPr>
@@ -6545,7 +6510,7 @@
         </p:sp>
         <p:sp>
           <p:nvSpPr>
-            <p:cNvPr name="pt108" id="108"/>
+            <p:cNvPr name="pt107" id="107"/>
             <p:cNvSpPr/>
             <p:nvPr/>
           </p:nvSpPr>
@@ -6580,7 +6545,7 @@
         </p:sp>
         <p:sp>
           <p:nvSpPr>
-            <p:cNvPr name="pt109" id="109"/>
+            <p:cNvPr name="pt108" id="108"/>
             <p:cNvSpPr/>
             <p:nvPr/>
           </p:nvSpPr>
@@ -6615,7 +6580,7 @@
         </p:sp>
         <p:sp>
           <p:nvSpPr>
-            <p:cNvPr name="pt110" id="110"/>
+            <p:cNvPr name="pt109" id="109"/>
             <p:cNvSpPr/>
             <p:nvPr/>
           </p:nvSpPr>
@@ -6650,7 +6615,7 @@
         </p:sp>
         <p:sp>
           <p:nvSpPr>
-            <p:cNvPr name="pt111" id="111"/>
+            <p:cNvPr name="pt110" id="110"/>
             <p:cNvSpPr/>
             <p:nvPr/>
           </p:nvSpPr>
@@ -6685,7 +6650,7 @@
         </p:sp>
         <p:sp>
           <p:nvSpPr>
-            <p:cNvPr name="pt112" id="112"/>
+            <p:cNvPr name="pt111" id="111"/>
             <p:cNvSpPr/>
             <p:nvPr/>
           </p:nvSpPr>
@@ -6720,7 +6685,7 @@
         </p:sp>
         <p:sp>
           <p:nvSpPr>
-            <p:cNvPr name="pt113" id="113"/>
+            <p:cNvPr name="pt112" id="112"/>
             <p:cNvSpPr/>
             <p:nvPr/>
           </p:nvSpPr>
@@ -6755,7 +6720,7 @@
         </p:sp>
         <p:sp>
           <p:nvSpPr>
-            <p:cNvPr name="pt114" id="114"/>
+            <p:cNvPr name="pt113" id="113"/>
             <p:cNvSpPr/>
             <p:nvPr/>
           </p:nvSpPr>
@@ -6790,7 +6755,7 @@
         </p:sp>
         <p:sp>
           <p:nvSpPr>
-            <p:cNvPr name="pt115" id="115"/>
+            <p:cNvPr name="pt114" id="114"/>
             <p:cNvSpPr/>
             <p:nvPr/>
           </p:nvSpPr>
@@ -6825,7 +6790,7 @@
         </p:sp>
         <p:sp>
           <p:nvSpPr>
-            <p:cNvPr name="pt116" id="116"/>
+            <p:cNvPr name="pt115" id="115"/>
             <p:cNvSpPr/>
             <p:nvPr/>
           </p:nvSpPr>
@@ -6860,7 +6825,7 @@
         </p:sp>
         <p:sp>
           <p:nvSpPr>
-            <p:cNvPr name="pt117" id="117"/>
+            <p:cNvPr name="pt116" id="116"/>
             <p:cNvSpPr/>
             <p:nvPr/>
           </p:nvSpPr>
@@ -6895,7 +6860,7 @@
         </p:sp>
         <p:sp>
           <p:nvSpPr>
-            <p:cNvPr name="pt118" id="118"/>
+            <p:cNvPr name="pt117" id="117"/>
             <p:cNvSpPr/>
             <p:nvPr/>
           </p:nvSpPr>
@@ -6930,7 +6895,7 @@
         </p:sp>
         <p:sp>
           <p:nvSpPr>
-            <p:cNvPr name="pt119" id="119"/>
+            <p:cNvPr name="pt118" id="118"/>
             <p:cNvSpPr/>
             <p:nvPr/>
           </p:nvSpPr>
@@ -6965,7 +6930,7 @@
         </p:sp>
         <p:sp>
           <p:nvSpPr>
-            <p:cNvPr name="pt120" id="120"/>
+            <p:cNvPr name="pt119" id="119"/>
             <p:cNvSpPr/>
             <p:nvPr/>
           </p:nvSpPr>
@@ -7000,7 +6965,7 @@
         </p:sp>
         <p:sp>
           <p:nvSpPr>
-            <p:cNvPr name="pt121" id="121"/>
+            <p:cNvPr name="pt120" id="120"/>
             <p:cNvSpPr/>
             <p:nvPr/>
           </p:nvSpPr>
@@ -7035,7 +7000,7 @@
         </p:sp>
         <p:sp>
           <p:nvSpPr>
-            <p:cNvPr name="pt122" id="122"/>
+            <p:cNvPr name="pt121" id="121"/>
             <p:cNvSpPr/>
             <p:nvPr/>
           </p:nvSpPr>
@@ -7070,7 +7035,7 @@
         </p:sp>
         <p:sp>
           <p:nvSpPr>
-            <p:cNvPr name="pt123" id="123"/>
+            <p:cNvPr name="pt122" id="122"/>
             <p:cNvSpPr/>
             <p:nvPr/>
           </p:nvSpPr>
@@ -7105,7 +7070,7 @@
         </p:sp>
         <p:sp>
           <p:nvSpPr>
-            <p:cNvPr name="pt124" id="124"/>
+            <p:cNvPr name="pt123" id="123"/>
             <p:cNvSpPr/>
             <p:nvPr/>
           </p:nvSpPr>
@@ -7140,7 +7105,7 @@
         </p:sp>
         <p:sp>
           <p:nvSpPr>
-            <p:cNvPr name="pt125" id="125"/>
+            <p:cNvPr name="pt124" id="124"/>
             <p:cNvSpPr/>
             <p:nvPr/>
           </p:nvSpPr>
@@ -7175,7 +7140,7 @@
         </p:sp>
         <p:sp>
           <p:nvSpPr>
-            <p:cNvPr name="pt126" id="126"/>
+            <p:cNvPr name="pt125" id="125"/>
             <p:cNvSpPr/>
             <p:nvPr/>
           </p:nvSpPr>
@@ -7210,7 +7175,7 @@
         </p:sp>
         <p:sp>
           <p:nvSpPr>
-            <p:cNvPr name="pt127" id="127"/>
+            <p:cNvPr name="pt126" id="126"/>
             <p:cNvSpPr/>
             <p:nvPr/>
           </p:nvSpPr>
@@ -7245,7 +7210,7 @@
         </p:sp>
         <p:sp>
           <p:nvSpPr>
-            <p:cNvPr name="pt128" id="128"/>
+            <p:cNvPr name="pt127" id="127"/>
             <p:cNvSpPr/>
             <p:nvPr/>
           </p:nvSpPr>
@@ -7280,7 +7245,7 @@
         </p:sp>
         <p:sp>
           <p:nvSpPr>
-            <p:cNvPr name="pt129" id="129"/>
+            <p:cNvPr name="pt128" id="128"/>
             <p:cNvSpPr/>
             <p:nvPr/>
           </p:nvSpPr>
@@ -7315,7 +7280,7 @@
         </p:sp>
         <p:sp>
           <p:nvSpPr>
-            <p:cNvPr name="pt130" id="130"/>
+            <p:cNvPr name="pt129" id="129"/>
             <p:cNvSpPr/>
             <p:nvPr/>
           </p:nvSpPr>
@@ -7350,7 +7315,7 @@
         </p:sp>
         <p:sp>
           <p:nvSpPr>
-            <p:cNvPr name="pt131" id="131"/>
+            <p:cNvPr name="pt130" id="130"/>
             <p:cNvSpPr/>
             <p:nvPr/>
           </p:nvSpPr>
@@ -7385,7 +7350,7 @@
         </p:sp>
         <p:sp>
           <p:nvSpPr>
-            <p:cNvPr name="pt132" id="132"/>
+            <p:cNvPr name="pt131" id="131"/>
             <p:cNvSpPr/>
             <p:nvPr/>
           </p:nvSpPr>
@@ -7420,7 +7385,7 @@
         </p:sp>
         <p:sp>
           <p:nvSpPr>
-            <p:cNvPr name="pt133" id="133"/>
+            <p:cNvPr name="pt132" id="132"/>
             <p:cNvSpPr/>
             <p:nvPr/>
           </p:nvSpPr>
@@ -7455,7 +7420,7 @@
         </p:sp>
         <p:sp>
           <p:nvSpPr>
-            <p:cNvPr name="pt134" id="134"/>
+            <p:cNvPr name="pt133" id="133"/>
             <p:cNvSpPr/>
             <p:nvPr/>
           </p:nvSpPr>
@@ -7490,7 +7455,7 @@
         </p:sp>
         <p:sp>
           <p:nvSpPr>
-            <p:cNvPr name="pt135" id="135"/>
+            <p:cNvPr name="pt134" id="134"/>
             <p:cNvSpPr/>
             <p:nvPr/>
           </p:nvSpPr>
@@ -7525,7 +7490,7 @@
         </p:sp>
         <p:sp>
           <p:nvSpPr>
-            <p:cNvPr name="pt136" id="136"/>
+            <p:cNvPr name="pt135" id="135"/>
             <p:cNvSpPr/>
             <p:nvPr/>
           </p:nvSpPr>
@@ -7560,7 +7525,7 @@
         </p:sp>
         <p:sp>
           <p:nvSpPr>
-            <p:cNvPr name="pt137" id="137"/>
+            <p:cNvPr name="pt136" id="136"/>
             <p:cNvSpPr/>
             <p:nvPr/>
           </p:nvSpPr>
@@ -7595,7 +7560,7 @@
         </p:sp>
         <p:sp>
           <p:nvSpPr>
-            <p:cNvPr name="pt138" id="138"/>
+            <p:cNvPr name="pt137" id="137"/>
             <p:cNvSpPr/>
             <p:nvPr/>
           </p:nvSpPr>
@@ -7630,7 +7595,7 @@
         </p:sp>
         <p:sp>
           <p:nvSpPr>
-            <p:cNvPr name="pt139" id="139"/>
+            <p:cNvPr name="pt138" id="138"/>
             <p:cNvSpPr/>
             <p:nvPr/>
           </p:nvSpPr>
@@ -7665,7 +7630,7 @@
         </p:sp>
         <p:sp>
           <p:nvSpPr>
-            <p:cNvPr name="pt140" id="140"/>
+            <p:cNvPr name="pt139" id="139"/>
             <p:cNvSpPr/>
             <p:nvPr/>
           </p:nvSpPr>
@@ -7700,7 +7665,7 @@
         </p:sp>
         <p:sp>
           <p:nvSpPr>
-            <p:cNvPr name="pt141" id="141"/>
+            <p:cNvPr name="pt140" id="140"/>
             <p:cNvSpPr/>
             <p:nvPr/>
           </p:nvSpPr>
@@ -7735,7 +7700,7 @@
         </p:sp>
         <p:sp>
           <p:nvSpPr>
-            <p:cNvPr name="pt142" id="142"/>
+            <p:cNvPr name="pt141" id="141"/>
             <p:cNvSpPr/>
             <p:nvPr/>
           </p:nvSpPr>
@@ -7770,7 +7735,7 @@
         </p:sp>
         <p:sp>
           <p:nvSpPr>
-            <p:cNvPr name="pt143" id="143"/>
+            <p:cNvPr name="pt142" id="142"/>
             <p:cNvSpPr/>
             <p:nvPr/>
           </p:nvSpPr>
@@ -7805,7 +7770,7 @@
         </p:sp>
         <p:sp>
           <p:nvSpPr>
-            <p:cNvPr name="pt144" id="144"/>
+            <p:cNvPr name="pt143" id="143"/>
             <p:cNvSpPr/>
             <p:nvPr/>
           </p:nvSpPr>
@@ -7840,7 +7805,7 @@
         </p:sp>
         <p:sp>
           <p:nvSpPr>
-            <p:cNvPr name="pt145" id="145"/>
+            <p:cNvPr name="pt144" id="144"/>
             <p:cNvSpPr/>
             <p:nvPr/>
           </p:nvSpPr>
@@ -7875,7 +7840,7 @@
         </p:sp>
         <p:sp>
           <p:nvSpPr>
-            <p:cNvPr name="pt146" id="146"/>
+            <p:cNvPr name="pt145" id="145"/>
             <p:cNvSpPr/>
             <p:nvPr/>
           </p:nvSpPr>
@@ -7910,7 +7875,7 @@
         </p:sp>
         <p:sp>
           <p:nvSpPr>
-            <p:cNvPr name="pt147" id="147"/>
+            <p:cNvPr name="pt146" id="146"/>
             <p:cNvSpPr/>
             <p:nvPr/>
           </p:nvSpPr>
@@ -7945,7 +7910,7 @@
         </p:sp>
         <p:sp>
           <p:nvSpPr>
-            <p:cNvPr name="pt148" id="148"/>
+            <p:cNvPr name="pt147" id="147"/>
             <p:cNvSpPr/>
             <p:nvPr/>
           </p:nvSpPr>
@@ -7980,7 +7945,7 @@
         </p:sp>
         <p:sp>
           <p:nvSpPr>
-            <p:cNvPr name="pt149" id="149"/>
+            <p:cNvPr name="pt148" id="148"/>
             <p:cNvSpPr/>
             <p:nvPr/>
           </p:nvSpPr>
@@ -8015,7 +7980,7 @@
         </p:sp>
         <p:sp>
           <p:nvSpPr>
-            <p:cNvPr name="pt150" id="150"/>
+            <p:cNvPr name="pt149" id="149"/>
             <p:cNvSpPr/>
             <p:nvPr/>
           </p:nvSpPr>
@@ -8050,7 +8015,7 @@
         </p:sp>
         <p:sp>
           <p:nvSpPr>
-            <p:cNvPr name="pt151" id="151"/>
+            <p:cNvPr name="pt150" id="150"/>
             <p:cNvSpPr/>
             <p:nvPr/>
           </p:nvSpPr>
@@ -8085,7 +8050,7 @@
         </p:sp>
         <p:sp>
           <p:nvSpPr>
-            <p:cNvPr name="pt152" id="152"/>
+            <p:cNvPr name="pt151" id="151"/>
             <p:cNvSpPr/>
             <p:nvPr/>
           </p:nvSpPr>
@@ -8120,7 +8085,7 @@
         </p:sp>
         <p:sp>
           <p:nvSpPr>
-            <p:cNvPr name="pt153" id="153"/>
+            <p:cNvPr name="pt152" id="152"/>
             <p:cNvSpPr/>
             <p:nvPr/>
           </p:nvSpPr>
@@ -8155,7 +8120,7 @@
         </p:sp>
         <p:sp>
           <p:nvSpPr>
-            <p:cNvPr name="pt154" id="154"/>
+            <p:cNvPr name="pt153" id="153"/>
             <p:cNvSpPr/>
             <p:nvPr/>
           </p:nvSpPr>
@@ -8190,7 +8155,7 @@
         </p:sp>
         <p:sp>
           <p:nvSpPr>
-            <p:cNvPr name="pt155" id="155"/>
+            <p:cNvPr name="pt154" id="154"/>
             <p:cNvSpPr/>
             <p:nvPr/>
           </p:nvSpPr>
@@ -8225,7 +8190,7 @@
         </p:sp>
         <p:sp>
           <p:nvSpPr>
-            <p:cNvPr name="pt156" id="156"/>
+            <p:cNvPr name="pt155" id="155"/>
             <p:cNvSpPr/>
             <p:nvPr/>
           </p:nvSpPr>
@@ -8260,7 +8225,7 @@
         </p:sp>
         <p:sp>
           <p:nvSpPr>
-            <p:cNvPr name="pt157" id="157"/>
+            <p:cNvPr name="pt156" id="156"/>
             <p:cNvSpPr/>
             <p:nvPr/>
           </p:nvSpPr>
@@ -8295,7 +8260,7 @@
         </p:sp>
         <p:sp>
           <p:nvSpPr>
-            <p:cNvPr name="pt158" id="158"/>
+            <p:cNvPr name="pt157" id="157"/>
             <p:cNvSpPr/>
             <p:nvPr/>
           </p:nvSpPr>
@@ -8330,7 +8295,7 @@
         </p:sp>
         <p:sp>
           <p:nvSpPr>
-            <p:cNvPr name="pt159" id="159"/>
+            <p:cNvPr name="pt158" id="158"/>
             <p:cNvSpPr/>
             <p:nvPr/>
           </p:nvSpPr>
@@ -8365,7 +8330,7 @@
         </p:sp>
         <p:sp>
           <p:nvSpPr>
-            <p:cNvPr name="pt160" id="160"/>
+            <p:cNvPr name="pt159" id="159"/>
             <p:cNvSpPr/>
             <p:nvPr/>
           </p:nvSpPr>
@@ -8400,7 +8365,7 @@
         </p:sp>
         <p:sp>
           <p:nvSpPr>
-            <p:cNvPr name="pt161" id="161"/>
+            <p:cNvPr name="pt160" id="160"/>
             <p:cNvSpPr/>
             <p:nvPr/>
           </p:nvSpPr>
@@ -8435,7 +8400,7 @@
         </p:sp>
         <p:sp>
           <p:nvSpPr>
-            <p:cNvPr name="pt162" id="162"/>
+            <p:cNvPr name="pt161" id="161"/>
             <p:cNvSpPr/>
             <p:nvPr/>
           </p:nvSpPr>
@@ -8470,7 +8435,7 @@
         </p:sp>
         <p:sp>
           <p:nvSpPr>
-            <p:cNvPr name="pt163" id="163"/>
+            <p:cNvPr name="pt162" id="162"/>
             <p:cNvSpPr/>
             <p:nvPr/>
           </p:nvSpPr>
@@ -8505,7 +8470,7 @@
         </p:sp>
         <p:sp>
           <p:nvSpPr>
-            <p:cNvPr name="pt164" id="164"/>
+            <p:cNvPr name="pt163" id="163"/>
             <p:cNvSpPr/>
             <p:nvPr/>
           </p:nvSpPr>
@@ -8540,7 +8505,7 @@
         </p:sp>
         <p:sp>
           <p:nvSpPr>
-            <p:cNvPr name="pt165" id="165"/>
+            <p:cNvPr name="pt164" id="164"/>
             <p:cNvSpPr/>
             <p:nvPr/>
           </p:nvSpPr>
@@ -8575,7 +8540,7 @@
         </p:sp>
         <p:sp>
           <p:nvSpPr>
-            <p:cNvPr name="pt166" id="166"/>
+            <p:cNvPr name="pt165" id="165"/>
             <p:cNvSpPr/>
             <p:nvPr/>
           </p:nvSpPr>
@@ -8610,7 +8575,7 @@
         </p:sp>
         <p:sp>
           <p:nvSpPr>
-            <p:cNvPr name="pt167" id="167"/>
+            <p:cNvPr name="pt166" id="166"/>
             <p:cNvSpPr/>
             <p:nvPr/>
           </p:nvSpPr>
@@ -8645,7 +8610,7 @@
         </p:sp>
         <p:sp>
           <p:nvSpPr>
-            <p:cNvPr name="pt168" id="168"/>
+            <p:cNvPr name="pt167" id="167"/>
             <p:cNvSpPr/>
             <p:nvPr/>
           </p:nvSpPr>
@@ -8680,7 +8645,7 @@
         </p:sp>
         <p:sp>
           <p:nvSpPr>
-            <p:cNvPr name="pt169" id="169"/>
+            <p:cNvPr name="pt168" id="168"/>
             <p:cNvSpPr/>
             <p:nvPr/>
           </p:nvSpPr>
@@ -8715,7 +8680,7 @@
         </p:sp>
         <p:sp>
           <p:nvSpPr>
-            <p:cNvPr name="pt170" id="170"/>
+            <p:cNvPr name="pt169" id="169"/>
             <p:cNvSpPr/>
             <p:nvPr/>
           </p:nvSpPr>
@@ -8750,7 +8715,7 @@
         </p:sp>
         <p:sp>
           <p:nvSpPr>
-            <p:cNvPr name="pt171" id="171"/>
+            <p:cNvPr name="pt170" id="170"/>
             <p:cNvSpPr/>
             <p:nvPr/>
           </p:nvSpPr>
@@ -8785,7 +8750,7 @@
         </p:sp>
         <p:sp>
           <p:nvSpPr>
-            <p:cNvPr name="tx172" id="172"/>
+            <p:cNvPr name="tx171" id="171"/>
             <p:cNvSpPr/>
             <p:nvPr/>
           </p:nvSpPr>
@@ -8831,7 +8796,7 @@
         </p:sp>
         <p:sp>
           <p:nvSpPr>
-            <p:cNvPr name="tx173" id="173"/>
+            <p:cNvPr name="tx172" id="172"/>
             <p:cNvSpPr/>
             <p:nvPr/>
           </p:nvSpPr>
@@ -8877,7 +8842,7 @@
         </p:sp>
         <p:sp>
           <p:nvSpPr>
-            <p:cNvPr name="tx174" id="174"/>
+            <p:cNvPr name="tx173" id="173"/>
             <p:cNvSpPr/>
             <p:nvPr/>
           </p:nvSpPr>
@@ -8923,7 +8888,7 @@
         </p:sp>
         <p:sp>
           <p:nvSpPr>
-            <p:cNvPr name="pl175" id="175"/>
+            <p:cNvPr name="pl174" id="174"/>
             <p:cNvSpPr/>
             <p:nvPr/>
           </p:nvSpPr>
@@ -8963,7 +8928,7 @@
         </p:sp>
         <p:sp>
           <p:nvSpPr>
-            <p:cNvPr name="pl176" id="176"/>
+            <p:cNvPr name="pl175" id="175"/>
             <p:cNvSpPr/>
             <p:nvPr/>
           </p:nvSpPr>
@@ -9003,7 +8968,7 @@
         </p:sp>
         <p:sp>
           <p:nvSpPr>
-            <p:cNvPr name="pl177" id="177"/>
+            <p:cNvPr name="pl176" id="176"/>
             <p:cNvSpPr/>
             <p:nvPr/>
           </p:nvSpPr>
@@ -9043,7 +9008,7 @@
         </p:sp>
         <p:sp>
           <p:nvSpPr>
-            <p:cNvPr name="pl178" id="178"/>
+            <p:cNvPr name="pl177" id="177"/>
             <p:cNvSpPr/>
             <p:nvPr/>
           </p:nvSpPr>
@@ -9083,7 +9048,7 @@
         </p:sp>
         <p:sp>
           <p:nvSpPr>
-            <p:cNvPr name="pl179" id="179"/>
+            <p:cNvPr name="pl178" id="178"/>
             <p:cNvSpPr/>
             <p:nvPr/>
           </p:nvSpPr>
@@ -9123,7 +9088,7 @@
         </p:sp>
         <p:sp>
           <p:nvSpPr>
-            <p:cNvPr name="pl180" id="180"/>
+            <p:cNvPr name="pl179" id="179"/>
             <p:cNvSpPr/>
             <p:nvPr/>
           </p:nvSpPr>
@@ -9163,7 +9128,7 @@
         </p:sp>
         <p:sp>
           <p:nvSpPr>
-            <p:cNvPr name="pl181" id="181"/>
+            <p:cNvPr name="pl180" id="180"/>
             <p:cNvSpPr/>
             <p:nvPr/>
           </p:nvSpPr>
@@ -9203,7 +9168,7 @@
         </p:sp>
         <p:sp>
           <p:nvSpPr>
-            <p:cNvPr name="tx182" id="182"/>
+            <p:cNvPr name="tx181" id="181"/>
             <p:cNvSpPr/>
             <p:nvPr/>
           </p:nvSpPr>
@@ -9249,7 +9214,7 @@
         </p:sp>
         <p:sp>
           <p:nvSpPr>
-            <p:cNvPr name="tx183" id="183"/>
+            <p:cNvPr name="tx182" id="182"/>
             <p:cNvSpPr/>
             <p:nvPr/>
           </p:nvSpPr>
@@ -9295,7 +9260,7 @@
         </p:sp>
         <p:sp>
           <p:nvSpPr>
-            <p:cNvPr name="tx184" id="184"/>
+            <p:cNvPr name="tx183" id="183"/>
             <p:cNvSpPr/>
             <p:nvPr/>
           </p:nvSpPr>
@@ -9341,7 +9306,7 @@
         </p:sp>
         <p:sp>
           <p:nvSpPr>
-            <p:cNvPr name="tx185" id="185"/>
+            <p:cNvPr name="tx184" id="184"/>
             <p:cNvSpPr/>
             <p:nvPr/>
           </p:nvSpPr>
@@ -9387,7 +9352,7 @@
         </p:sp>
         <p:sp>
           <p:nvSpPr>
-            <p:cNvPr name="tx186" id="186"/>
+            <p:cNvPr name="tx185" id="185"/>
             <p:cNvSpPr/>
             <p:nvPr/>
           </p:nvSpPr>
@@ -9433,7 +9398,7 @@
         </p:sp>
         <p:sp>
           <p:nvSpPr>
-            <p:cNvPr name="tx187" id="187"/>
+            <p:cNvPr name="tx186" id="186"/>
             <p:cNvSpPr/>
             <p:nvPr/>
           </p:nvSpPr>
@@ -9479,7 +9444,7 @@
         </p:sp>
         <p:sp>
           <p:nvSpPr>
-            <p:cNvPr name="rc188" id="188"/>
+            <p:cNvPr name="rc187" id="187"/>
             <p:cNvSpPr/>
             <p:nvPr/>
           </p:nvSpPr>
@@ -9505,7 +9470,7 @@
         </p:sp>
         <p:sp>
           <p:nvSpPr>
-            <p:cNvPr name="tx189" id="189"/>
+            <p:cNvPr name="tx188" id="188"/>
             <p:cNvSpPr/>
             <p:nvPr/>
           </p:nvSpPr>
@@ -9551,7 +9516,7 @@
         </p:sp>
         <p:sp>
           <p:nvSpPr>
-            <p:cNvPr name="rc190" id="190"/>
+            <p:cNvPr name="rc189" id="189"/>
             <p:cNvSpPr/>
             <p:nvPr/>
           </p:nvSpPr>
@@ -9586,7 +9551,7 @@
         </p:sp>
         <p:sp>
           <p:nvSpPr>
-            <p:cNvPr name="pt191" id="191"/>
+            <p:cNvPr name="pt190" id="190"/>
             <p:cNvSpPr/>
             <p:nvPr/>
           </p:nvSpPr>
@@ -9621,7 +9586,7 @@
         </p:sp>
         <p:sp>
           <p:nvSpPr>
-            <p:cNvPr name="rc192" id="192"/>
+            <p:cNvPr name="rc191" id="191"/>
             <p:cNvSpPr/>
             <p:nvPr/>
           </p:nvSpPr>
@@ -9656,7 +9621,7 @@
         </p:sp>
         <p:sp>
           <p:nvSpPr>
-            <p:cNvPr name="pt193" id="193"/>
+            <p:cNvPr name="pt192" id="192"/>
             <p:cNvSpPr/>
             <p:nvPr/>
           </p:nvSpPr>
@@ -9691,7 +9656,7 @@
         </p:sp>
         <p:sp>
           <p:nvSpPr>
-            <p:cNvPr name="rc194" id="194"/>
+            <p:cNvPr name="rc193" id="193"/>
             <p:cNvSpPr/>
             <p:nvPr/>
           </p:nvSpPr>
@@ -9726,7 +9691,7 @@
         </p:sp>
         <p:sp>
           <p:nvSpPr>
-            <p:cNvPr name="pt195" id="195"/>
+            <p:cNvPr name="pt194" id="194"/>
             <p:cNvSpPr/>
             <p:nvPr/>
           </p:nvSpPr>
@@ -9761,7 +9726,7 @@
         </p:sp>
         <p:sp>
           <p:nvSpPr>
-            <p:cNvPr name="rc196" id="196"/>
+            <p:cNvPr name="rc195" id="195"/>
             <p:cNvSpPr/>
             <p:nvPr/>
           </p:nvSpPr>
@@ -9796,7 +9761,7 @@
         </p:sp>
         <p:sp>
           <p:nvSpPr>
-            <p:cNvPr name="pt197" id="197"/>
+            <p:cNvPr name="pt196" id="196"/>
             <p:cNvSpPr/>
             <p:nvPr/>
           </p:nvSpPr>
@@ -9831,7 +9796,7 @@
         </p:sp>
         <p:sp>
           <p:nvSpPr>
-            <p:cNvPr name="rc198" id="198"/>
+            <p:cNvPr name="rc197" id="197"/>
             <p:cNvSpPr/>
             <p:nvPr/>
           </p:nvSpPr>
@@ -9866,7 +9831,7 @@
         </p:sp>
         <p:sp>
           <p:nvSpPr>
-            <p:cNvPr name="pt199" id="199"/>
+            <p:cNvPr name="pt198" id="198"/>
             <p:cNvSpPr/>
             <p:nvPr/>
           </p:nvSpPr>
@@ -9901,7 +9866,7 @@
         </p:sp>
         <p:sp>
           <p:nvSpPr>
-            <p:cNvPr name="tx200" id="200"/>
+            <p:cNvPr name="tx199" id="199"/>
             <p:cNvSpPr/>
             <p:nvPr/>
           </p:nvSpPr>
@@ -9947,7 +9912,7 @@
         </p:sp>
         <p:sp>
           <p:nvSpPr>
-            <p:cNvPr name="tx201" id="201"/>
+            <p:cNvPr name="tx200" id="200"/>
             <p:cNvSpPr/>
             <p:nvPr/>
           </p:nvSpPr>
@@ -9993,7 +9958,7 @@
         </p:sp>
         <p:sp>
           <p:nvSpPr>
-            <p:cNvPr name="tx202" id="202"/>
+            <p:cNvPr name="tx201" id="201"/>
             <p:cNvSpPr/>
             <p:nvPr/>
           </p:nvSpPr>
@@ -10039,7 +10004,7 @@
         </p:sp>
         <p:sp>
           <p:nvSpPr>
-            <p:cNvPr name="tx203" id="203"/>
+            <p:cNvPr name="tx202" id="202"/>
             <p:cNvSpPr/>
             <p:nvPr/>
           </p:nvSpPr>
@@ -10085,7 +10050,7 @@
         </p:sp>
         <p:sp>
           <p:nvSpPr>
-            <p:cNvPr name="tx204" id="204"/>
+            <p:cNvPr name="tx203" id="203"/>
             <p:cNvSpPr/>
             <p:nvPr/>
           </p:nvSpPr>
@@ -10131,7 +10096,7 @@
         </p:sp>
         <p:sp>
           <p:nvSpPr>
-            <p:cNvPr name="rc205" id="205"/>
+            <p:cNvPr name="rc204" id="204"/>
             <p:cNvSpPr/>
             <p:nvPr/>
           </p:nvSpPr>
@@ -10157,7 +10122,7 @@
         </p:sp>
         <p:sp>
           <p:nvSpPr>
-            <p:cNvPr name="tx206" id="206"/>
+            <p:cNvPr name="tx205" id="205"/>
             <p:cNvSpPr/>
             <p:nvPr/>
           </p:nvSpPr>
@@ -10203,7 +10168,7 @@
         </p:sp>
         <p:sp>
           <p:nvSpPr>
-            <p:cNvPr name="rc207" id="207"/>
+            <p:cNvPr name="rc206" id="206"/>
             <p:cNvSpPr/>
             <p:nvPr/>
           </p:nvSpPr>
@@ -10238,7 +10203,7 @@
         </p:sp>
         <p:sp>
           <p:nvSpPr>
-            <p:cNvPr name="pt208" id="208"/>
+            <p:cNvPr name="pt207" id="207"/>
             <p:cNvSpPr/>
             <p:nvPr/>
           </p:nvSpPr>
@@ -10273,7 +10238,7 @@
         </p:sp>
         <p:sp>
           <p:nvSpPr>
-            <p:cNvPr name="rc209" id="209"/>
+            <p:cNvPr name="rc208" id="208"/>
             <p:cNvSpPr/>
             <p:nvPr/>
           </p:nvSpPr>
@@ -10308,7 +10273,7 @@
         </p:sp>
         <p:sp>
           <p:nvSpPr>
-            <p:cNvPr name="pt210" id="210"/>
+            <p:cNvPr name="pt209" id="209"/>
             <p:cNvSpPr/>
             <p:nvPr/>
           </p:nvSpPr>
@@ -10343,7 +10308,7 @@
         </p:sp>
         <p:sp>
           <p:nvSpPr>
-            <p:cNvPr name="rc211" id="211"/>
+            <p:cNvPr name="rc210" id="210"/>
             <p:cNvSpPr/>
             <p:nvPr/>
           </p:nvSpPr>
@@ -10378,7 +10343,7 @@
         </p:sp>
         <p:sp>
           <p:nvSpPr>
-            <p:cNvPr name="pt212" id="212"/>
+            <p:cNvPr name="pt211" id="211"/>
             <p:cNvSpPr/>
             <p:nvPr/>
           </p:nvSpPr>
@@ -10413,7 +10378,7 @@
         </p:sp>
         <p:sp>
           <p:nvSpPr>
-            <p:cNvPr name="tx213" id="213"/>
+            <p:cNvPr name="tx212" id="212"/>
             <p:cNvSpPr/>
             <p:nvPr/>
           </p:nvSpPr>
@@ -10459,7 +10424,7 @@
         </p:sp>
         <p:sp>
           <p:nvSpPr>
-            <p:cNvPr name="tx214" id="214"/>
+            <p:cNvPr name="tx213" id="213"/>
             <p:cNvSpPr/>
             <p:nvPr/>
           </p:nvSpPr>
@@ -10505,7 +10470,7 @@
         </p:sp>
         <p:sp>
           <p:nvSpPr>
-            <p:cNvPr name="tx215" id="215"/>
+            <p:cNvPr name="tx214" id="214"/>
             <p:cNvSpPr/>
             <p:nvPr/>
           </p:nvSpPr>
@@ -10591,7 +10556,9 @@
                       <a:r>
                         <a:rPr b="true" sz="1100">
                           <a:solidFill>
-                            <a:srgbClr val="000000"/>
+                            <a:srgbClr val="000000">
+                              <a:alpha val="100000"/>
+                            </a:srgbClr>
                           </a:solidFill>
                           <a:latin typeface="Times New Roman"/>
                           <a:ea typeface="Times New Roman"/>
@@ -10604,30 +10571,40 @@
                   <a:tcPr anchor="ctr" marB="0" marT="0" marR="0" marL="0">
                     <a:lnL w="12700">
                       <a:solidFill>
-                        <a:srgbClr val="000000"/>
+                        <a:srgbClr val="000000">
+                          <a:alpha val="100000"/>
+                        </a:srgbClr>
                       </a:solidFill>
                       <a:prstDash val="solid"/>
                     </a:lnL>
                     <a:lnR w="12700">
                       <a:solidFill>
-                        <a:srgbClr val="000000"/>
+                        <a:srgbClr val="000000">
+                          <a:alpha val="100000"/>
+                        </a:srgbClr>
                       </a:solidFill>
                       <a:prstDash val="solid"/>
                     </a:lnR>
                     <a:lnT w="12700">
                       <a:solidFill>
-                        <a:srgbClr val="000000"/>
+                        <a:srgbClr val="000000">
+                          <a:alpha val="100000"/>
+                        </a:srgbClr>
                       </a:solidFill>
                       <a:prstDash val="solid"/>
                     </a:lnT>
                     <a:lnB w="12700">
                       <a:solidFill>
-                        <a:srgbClr val="000000"/>
+                        <a:srgbClr val="000000">
+                          <a:alpha val="100000"/>
+                        </a:srgbClr>
                       </a:solidFill>
                       <a:prstDash val="solid"/>
                     </a:lnB>
                     <a:solidFill>
-                      <a:srgbClr val="FFFFFF"/>
+                      <a:srgbClr val="FFFFFF">
+                        <a:alpha val="0"/>
+                      </a:srgbClr>
                     </a:solidFill>
                   </a:tcPr>
                 </a:tc>
@@ -10648,7 +10625,9 @@
                       <a:r>
                         <a:rPr b="true" sz="1100">
                           <a:solidFill>
-                            <a:srgbClr val="000000"/>
+                            <a:srgbClr val="000000">
+                              <a:alpha val="100000"/>
+                            </a:srgbClr>
                           </a:solidFill>
                           <a:latin typeface="Times New Roman"/>
                           <a:ea typeface="Times New Roman"/>
@@ -10661,30 +10640,40 @@
                   <a:tcPr anchor="ctr" marB="0" marT="0" marR="0" marL="0">
                     <a:lnL w="12700">
                       <a:solidFill>
-                        <a:srgbClr val="000000"/>
+                        <a:srgbClr val="000000">
+                          <a:alpha val="100000"/>
+                        </a:srgbClr>
                       </a:solidFill>
                       <a:prstDash val="solid"/>
                     </a:lnL>
                     <a:lnR w="12700">
                       <a:solidFill>
-                        <a:srgbClr val="000000"/>
+                        <a:srgbClr val="000000">
+                          <a:alpha val="100000"/>
+                        </a:srgbClr>
                       </a:solidFill>
                       <a:prstDash val="solid"/>
                     </a:lnR>
                     <a:lnT w="12700">
                       <a:solidFill>
-                        <a:srgbClr val="000000"/>
+                        <a:srgbClr val="000000">
+                          <a:alpha val="100000"/>
+                        </a:srgbClr>
                       </a:solidFill>
                       <a:prstDash val="solid"/>
                     </a:lnT>
                     <a:lnB w="12700">
                       <a:solidFill>
-                        <a:srgbClr val="000000"/>
+                        <a:srgbClr val="000000">
+                          <a:alpha val="100000"/>
+                        </a:srgbClr>
                       </a:solidFill>
                       <a:prstDash val="solid"/>
                     </a:lnB>
                     <a:solidFill>
-                      <a:srgbClr val="FFFFFF"/>
+                      <a:srgbClr val="FFFFFF">
+                        <a:alpha val="0"/>
+                      </a:srgbClr>
                     </a:solidFill>
                   </a:tcPr>
                 </a:tc>
@@ -10705,7 +10694,9 @@
                       <a:r>
                         <a:rPr b="true" sz="1100">
                           <a:solidFill>
-                            <a:srgbClr val="000000"/>
+                            <a:srgbClr val="000000">
+                              <a:alpha val="100000"/>
+                            </a:srgbClr>
                           </a:solidFill>
                           <a:latin typeface="Times New Roman"/>
                           <a:ea typeface="Times New Roman"/>
@@ -10718,30 +10709,40 @@
                   <a:tcPr anchor="ctr" marB="0" marT="0" marR="0" marL="0">
                     <a:lnL w="12700">
                       <a:solidFill>
-                        <a:srgbClr val="000000"/>
+                        <a:srgbClr val="000000">
+                          <a:alpha val="100000"/>
+                        </a:srgbClr>
                       </a:solidFill>
                       <a:prstDash val="solid"/>
                     </a:lnL>
                     <a:lnR w="12700">
                       <a:solidFill>
-                        <a:srgbClr val="000000"/>
+                        <a:srgbClr val="000000">
+                          <a:alpha val="100000"/>
+                        </a:srgbClr>
                       </a:solidFill>
                       <a:prstDash val="solid"/>
                     </a:lnR>
                     <a:lnT w="12700">
                       <a:solidFill>
-                        <a:srgbClr val="000000"/>
+                        <a:srgbClr val="000000">
+                          <a:alpha val="100000"/>
+                        </a:srgbClr>
                       </a:solidFill>
                       <a:prstDash val="solid"/>
                     </a:lnT>
                     <a:lnB w="12700">
                       <a:solidFill>
-                        <a:srgbClr val="000000"/>
+                        <a:srgbClr val="000000">
+                          <a:alpha val="100000"/>
+                        </a:srgbClr>
                       </a:solidFill>
                       <a:prstDash val="solid"/>
                     </a:lnB>
                     <a:solidFill>
-                      <a:srgbClr val="FFFFFF"/>
+                      <a:srgbClr val="FFFFFF">
+                        <a:alpha val="0"/>
+                      </a:srgbClr>
                     </a:solidFill>
                   </a:tcPr>
                 </a:tc>
@@ -10762,7 +10763,9 @@
                       <a:r>
                         <a:rPr b="true" sz="1100">
                           <a:solidFill>
-                            <a:srgbClr val="000000"/>
+                            <a:srgbClr val="000000">
+                              <a:alpha val="100000"/>
+                            </a:srgbClr>
                           </a:solidFill>
                           <a:latin typeface="Times New Roman"/>
                           <a:ea typeface="Times New Roman"/>
@@ -10775,30 +10778,40 @@
                   <a:tcPr anchor="ctr" marB="0" marT="0" marR="0" marL="0">
                     <a:lnL w="12700">
                       <a:solidFill>
-                        <a:srgbClr val="000000"/>
+                        <a:srgbClr val="000000">
+                          <a:alpha val="100000"/>
+                        </a:srgbClr>
                       </a:solidFill>
                       <a:prstDash val="solid"/>
                     </a:lnL>
                     <a:lnR w="12700">
                       <a:solidFill>
-                        <a:srgbClr val="000000"/>
+                        <a:srgbClr val="000000">
+                          <a:alpha val="100000"/>
+                        </a:srgbClr>
                       </a:solidFill>
                       <a:prstDash val="solid"/>
                     </a:lnR>
                     <a:lnT w="12700">
                       <a:solidFill>
-                        <a:srgbClr val="000000"/>
+                        <a:srgbClr val="000000">
+                          <a:alpha val="100000"/>
+                        </a:srgbClr>
                       </a:solidFill>
                       <a:prstDash val="solid"/>
                     </a:lnT>
                     <a:lnB w="12700">
                       <a:solidFill>
-                        <a:srgbClr val="000000"/>
+                        <a:srgbClr val="000000">
+                          <a:alpha val="100000"/>
+                        </a:srgbClr>
                       </a:solidFill>
                       <a:prstDash val="solid"/>
                     </a:lnB>
                     <a:solidFill>
-                      <a:srgbClr val="FFFFFF"/>
+                      <a:srgbClr val="FFFFFF">
+                        <a:alpha val="0"/>
+                      </a:srgbClr>
                     </a:solidFill>
                   </a:tcPr>
                 </a:tc>
@@ -10819,7 +10832,9 @@
                       <a:r>
                         <a:rPr b="true" sz="1100">
                           <a:solidFill>
-                            <a:srgbClr val="000000"/>
+                            <a:srgbClr val="000000">
+                              <a:alpha val="100000"/>
+                            </a:srgbClr>
                           </a:solidFill>
                           <a:latin typeface="Times New Roman"/>
                           <a:ea typeface="Times New Roman"/>
@@ -10832,30 +10847,40 @@
                   <a:tcPr anchor="ctr" marB="0" marT="0" marR="0" marL="0">
                     <a:lnL w="12700">
                       <a:solidFill>
-                        <a:srgbClr val="000000"/>
+                        <a:srgbClr val="000000">
+                          <a:alpha val="100000"/>
+                        </a:srgbClr>
                       </a:solidFill>
                       <a:prstDash val="solid"/>
                     </a:lnL>
                     <a:lnR w="12700">
                       <a:solidFill>
-                        <a:srgbClr val="000000"/>
+                        <a:srgbClr val="000000">
+                          <a:alpha val="100000"/>
+                        </a:srgbClr>
                       </a:solidFill>
                       <a:prstDash val="solid"/>
                     </a:lnR>
                     <a:lnT w="12700">
                       <a:solidFill>
-                        <a:srgbClr val="000000"/>
+                        <a:srgbClr val="000000">
+                          <a:alpha val="100000"/>
+                        </a:srgbClr>
                       </a:solidFill>
                       <a:prstDash val="solid"/>
                     </a:lnT>
                     <a:lnB w="12700">
                       <a:solidFill>
-                        <a:srgbClr val="000000"/>
+                        <a:srgbClr val="000000">
+                          <a:alpha val="100000"/>
+                        </a:srgbClr>
                       </a:solidFill>
                       <a:prstDash val="solid"/>
                     </a:lnB>
                     <a:solidFill>
-                      <a:srgbClr val="FFFFFF"/>
+                      <a:srgbClr val="FFFFFF">
+                        <a:alpha val="0"/>
+                      </a:srgbClr>
                     </a:solidFill>
                   </a:tcPr>
                 </a:tc>
@@ -10878,7 +10903,9 @@
                       <a:r>
                         <a:rPr sz="1100">
                           <a:solidFill>
-                            <a:srgbClr val="000000"/>
+                            <a:srgbClr val="000000">
+                              <a:alpha val="100000"/>
+                            </a:srgbClr>
                           </a:solidFill>
                           <a:latin typeface="Times New Roman"/>
                           <a:ea typeface="Times New Roman"/>
@@ -10889,7 +10916,9 @@
                       <a:r>
                         <a:rPr sz="1100">
                           <a:solidFill>
-                            <a:srgbClr val="000000"/>
+                            <a:srgbClr val="000000">
+                              <a:alpha val="100000"/>
+                            </a:srgbClr>
                           </a:solidFill>
                           <a:latin typeface="Times New Roman"/>
                           <a:ea typeface="Times New Roman"/>
@@ -10902,30 +10931,40 @@
                   <a:tcPr anchor="ctr" marB="0" marT="0" marR="0" marL="0">
                     <a:lnL w="12700">
                       <a:solidFill>
-                        <a:srgbClr val="000000"/>
+                        <a:srgbClr val="000000">
+                          <a:alpha val="100000"/>
+                        </a:srgbClr>
                       </a:solidFill>
                       <a:prstDash val="solid"/>
                     </a:lnL>
                     <a:lnR w="12700">
                       <a:solidFill>
-                        <a:srgbClr val="000000"/>
+                        <a:srgbClr val="000000">
+                          <a:alpha val="100000"/>
+                        </a:srgbClr>
                       </a:solidFill>
                       <a:prstDash val="solid"/>
                     </a:lnR>
                     <a:lnT w="12700">
                       <a:solidFill>
-                        <a:srgbClr val="000000"/>
+                        <a:srgbClr val="000000">
+                          <a:alpha val="100000"/>
+                        </a:srgbClr>
                       </a:solidFill>
                       <a:prstDash val="solid"/>
                     </a:lnT>
                     <a:lnB w="12700">
                       <a:solidFill>
-                        <a:srgbClr val="000000"/>
+                        <a:srgbClr val="000000">
+                          <a:alpha val="100000"/>
+                        </a:srgbClr>
                       </a:solidFill>
                       <a:prstDash val="solid"/>
                     </a:lnB>
                     <a:solidFill>
-                      <a:srgbClr val="FFFFFF"/>
+                      <a:srgbClr val="FFFFFF">
+                        <a:alpha val="0"/>
+                      </a:srgbClr>
                     </a:solidFill>
                   </a:tcPr>
                 </a:tc>
@@ -10946,7 +10985,9 @@
                       <a:r>
                         <a:rPr sz="1100">
                           <a:solidFill>
-                            <a:srgbClr val="000000"/>
+                            <a:srgbClr val="000000">
+                              <a:alpha val="100000"/>
+                            </a:srgbClr>
                           </a:solidFill>
                           <a:latin typeface="Times New Roman"/>
                           <a:ea typeface="Times New Roman"/>
@@ -10957,7 +10998,9 @@
                       <a:r>
                         <a:rPr sz="1100">
                           <a:solidFill>
-                            <a:srgbClr val="000000"/>
+                            <a:srgbClr val="000000">
+                              <a:alpha val="100000"/>
+                            </a:srgbClr>
                           </a:solidFill>
                           <a:latin typeface="Times New Roman"/>
                           <a:ea typeface="Times New Roman"/>
@@ -10970,30 +11013,40 @@
                   <a:tcPr anchor="ctr" marB="0" marT="0" marR="0" marL="0">
                     <a:lnL w="12700">
                       <a:solidFill>
-                        <a:srgbClr val="000000"/>
+                        <a:srgbClr val="000000">
+                          <a:alpha val="100000"/>
+                        </a:srgbClr>
                       </a:solidFill>
                       <a:prstDash val="solid"/>
                     </a:lnL>
                     <a:lnR w="12700">
                       <a:solidFill>
-                        <a:srgbClr val="000000"/>
+                        <a:srgbClr val="000000">
+                          <a:alpha val="100000"/>
+                        </a:srgbClr>
                       </a:solidFill>
                       <a:prstDash val="solid"/>
                     </a:lnR>
                     <a:lnT w="12700">
                       <a:solidFill>
-                        <a:srgbClr val="000000"/>
+                        <a:srgbClr val="000000">
+                          <a:alpha val="100000"/>
+                        </a:srgbClr>
                       </a:solidFill>
                       <a:prstDash val="solid"/>
                     </a:lnT>
                     <a:lnB w="12700">
                       <a:solidFill>
-                        <a:srgbClr val="000000"/>
+                        <a:srgbClr val="000000">
+                          <a:alpha val="100000"/>
+                        </a:srgbClr>
                       </a:solidFill>
                       <a:prstDash val="solid"/>
                     </a:lnB>
                     <a:solidFill>
-                      <a:srgbClr val="FFFFFF"/>
+                      <a:srgbClr val="FFFFFF">
+                        <a:alpha val="0"/>
+                      </a:srgbClr>
                     </a:solidFill>
                   </a:tcPr>
                 </a:tc>
@@ -11014,7 +11067,9 @@
                       <a:r>
                         <a:rPr sz="1100">
                           <a:solidFill>
-                            <a:srgbClr val="000000"/>
+                            <a:srgbClr val="000000">
+                              <a:alpha val="100000"/>
+                            </a:srgbClr>
                           </a:solidFill>
                           <a:latin typeface="Times New Roman"/>
                           <a:ea typeface="Times New Roman"/>
@@ -11025,7 +11080,9 @@
                       <a:r>
                         <a:rPr sz="1100">
                           <a:solidFill>
-                            <a:srgbClr val="000000"/>
+                            <a:srgbClr val="000000">
+                              <a:alpha val="100000"/>
+                            </a:srgbClr>
                           </a:solidFill>
                           <a:latin typeface="Times New Roman"/>
                           <a:ea typeface="Times New Roman"/>
@@ -11038,30 +11095,40 @@
                   <a:tcPr anchor="ctr" marB="0" marT="0" marR="0" marL="0">
                     <a:lnL w="12700">
                       <a:solidFill>
-                        <a:srgbClr val="000000"/>
+                        <a:srgbClr val="000000">
+                          <a:alpha val="100000"/>
+                        </a:srgbClr>
                       </a:solidFill>
                       <a:prstDash val="solid"/>
                     </a:lnL>
                     <a:lnR w="12700">
                       <a:solidFill>
-                        <a:srgbClr val="000000"/>
+                        <a:srgbClr val="000000">
+                          <a:alpha val="100000"/>
+                        </a:srgbClr>
                       </a:solidFill>
                       <a:prstDash val="solid"/>
                     </a:lnR>
                     <a:lnT w="12700">
                       <a:solidFill>
-                        <a:srgbClr val="000000"/>
+                        <a:srgbClr val="000000">
+                          <a:alpha val="100000"/>
+                        </a:srgbClr>
                       </a:solidFill>
                       <a:prstDash val="solid"/>
                     </a:lnT>
                     <a:lnB w="12700">
                       <a:solidFill>
-                        <a:srgbClr val="000000"/>
+                        <a:srgbClr val="000000">
+                          <a:alpha val="100000"/>
+                        </a:srgbClr>
                       </a:solidFill>
                       <a:prstDash val="solid"/>
                     </a:lnB>
                     <a:solidFill>
-                      <a:srgbClr val="FFFFFF"/>
+                      <a:srgbClr val="FFFFFF">
+                        <a:alpha val="0"/>
+                      </a:srgbClr>
                     </a:solidFill>
                   </a:tcPr>
                 </a:tc>
@@ -11082,7 +11149,9 @@
                       <a:r>
                         <a:rPr sz="1100">
                           <a:solidFill>
-                            <a:srgbClr val="000000"/>
+                            <a:srgbClr val="000000">
+                              <a:alpha val="100000"/>
+                            </a:srgbClr>
                           </a:solidFill>
                           <a:latin typeface="Times New Roman"/>
                           <a:ea typeface="Times New Roman"/>
@@ -11093,7 +11162,9 @@
                       <a:r>
                         <a:rPr sz="1100">
                           <a:solidFill>
-                            <a:srgbClr val="000000"/>
+                            <a:srgbClr val="000000">
+                              <a:alpha val="100000"/>
+                            </a:srgbClr>
                           </a:solidFill>
                           <a:latin typeface="Times New Roman"/>
                           <a:ea typeface="Times New Roman"/>
@@ -11106,30 +11177,40 @@
                   <a:tcPr anchor="ctr" marB="0" marT="0" marR="0" marL="0">
                     <a:lnL w="12700">
                       <a:solidFill>
-                        <a:srgbClr val="000000"/>
+                        <a:srgbClr val="000000">
+                          <a:alpha val="100000"/>
+                        </a:srgbClr>
                       </a:solidFill>
                       <a:prstDash val="solid"/>
                     </a:lnL>
                     <a:lnR w="12700">
                       <a:solidFill>
-                        <a:srgbClr val="000000"/>
+                        <a:srgbClr val="000000">
+                          <a:alpha val="100000"/>
+                        </a:srgbClr>
                       </a:solidFill>
                       <a:prstDash val="solid"/>
                     </a:lnR>
                     <a:lnT w="12700">
                       <a:solidFill>
-                        <a:srgbClr val="000000"/>
+                        <a:srgbClr val="000000">
+                          <a:alpha val="100000"/>
+                        </a:srgbClr>
                       </a:solidFill>
                       <a:prstDash val="solid"/>
                     </a:lnT>
                     <a:lnB w="12700">
                       <a:solidFill>
-                        <a:srgbClr val="000000"/>
+                        <a:srgbClr val="000000">
+                          <a:alpha val="100000"/>
+                        </a:srgbClr>
                       </a:solidFill>
                       <a:prstDash val="solid"/>
                     </a:lnB>
                     <a:solidFill>
-                      <a:srgbClr val="FFFFFF"/>
+                      <a:srgbClr val="FFFFFF">
+                        <a:alpha val="0"/>
+                      </a:srgbClr>
                     </a:solidFill>
                   </a:tcPr>
                 </a:tc>
@@ -11150,7 +11231,9 @@
                       <a:r>
                         <a:rPr sz="1100">
                           <a:solidFill>
-                            <a:srgbClr val="000000"/>
+                            <a:srgbClr val="000000">
+                              <a:alpha val="100000"/>
+                            </a:srgbClr>
                           </a:solidFill>
                           <a:latin typeface="Times New Roman"/>
                           <a:ea typeface="Times New Roman"/>
@@ -11161,7 +11244,9 @@
                       <a:r>
                         <a:rPr sz="1100">
                           <a:solidFill>
-                            <a:srgbClr val="000000"/>
+                            <a:srgbClr val="000000">
+                              <a:alpha val="100000"/>
+                            </a:srgbClr>
                           </a:solidFill>
                           <a:latin typeface="Times New Roman"/>
                           <a:ea typeface="Times New Roman"/>
@@ -11174,30 +11259,40 @@
                   <a:tcPr anchor="ctr" marB="0" marT="0" marR="0" marL="0">
                     <a:lnL w="12700">
                       <a:solidFill>
-                        <a:srgbClr val="000000"/>
+                        <a:srgbClr val="000000">
+                          <a:alpha val="100000"/>
+                        </a:srgbClr>
                       </a:solidFill>
                       <a:prstDash val="solid"/>
                     </a:lnL>
                     <a:lnR w="12700">
                       <a:solidFill>
-                        <a:srgbClr val="000000"/>
+                        <a:srgbClr val="000000">
+                          <a:alpha val="100000"/>
+                        </a:srgbClr>
                       </a:solidFill>
                       <a:prstDash val="solid"/>
                     </a:lnR>
                     <a:lnT w="12700">
                       <a:solidFill>
-                        <a:srgbClr val="000000"/>
+                        <a:srgbClr val="000000">
+                          <a:alpha val="100000"/>
+                        </a:srgbClr>
                       </a:solidFill>
                       <a:prstDash val="solid"/>
                     </a:lnT>
                     <a:lnB w="12700">
                       <a:solidFill>
-                        <a:srgbClr val="000000"/>
+                        <a:srgbClr val="000000">
+                          <a:alpha val="100000"/>
+                        </a:srgbClr>
                       </a:solidFill>
                       <a:prstDash val="solid"/>
                     </a:lnB>
                     <a:solidFill>
-                      <a:srgbClr val="FFFFFF"/>
+                      <a:srgbClr val="FFFFFF">
+                        <a:alpha val="0"/>
+                      </a:srgbClr>
                     </a:solidFill>
                   </a:tcPr>
                 </a:tc>
@@ -11220,7 +11315,9 @@
                       <a:r>
                         <a:rPr sz="1100">
                           <a:solidFill>
-                            <a:srgbClr val="000000"/>
+                            <a:srgbClr val="000000">
+                              <a:alpha val="100000"/>
+                            </a:srgbClr>
                           </a:solidFill>
                           <a:latin typeface="Times New Roman"/>
                           <a:ea typeface="Times New Roman"/>
@@ -11231,7 +11328,9 @@
                       <a:r>
                         <a:rPr sz="1100">
                           <a:solidFill>
-                            <a:srgbClr val="000000"/>
+                            <a:srgbClr val="000000">
+                              <a:alpha val="100000"/>
+                            </a:srgbClr>
                           </a:solidFill>
                           <a:latin typeface="Times New Roman"/>
                           <a:ea typeface="Times New Roman"/>
@@ -11244,30 +11343,40 @@
                   <a:tcPr anchor="ctr" marB="0" marT="0" marR="0" marL="0">
                     <a:lnL w="12700">
                       <a:solidFill>
-                        <a:srgbClr val="000000"/>
+                        <a:srgbClr val="000000">
+                          <a:alpha val="100000"/>
+                        </a:srgbClr>
                       </a:solidFill>
                       <a:prstDash val="solid"/>
                     </a:lnL>
                     <a:lnR w="12700">
                       <a:solidFill>
-                        <a:srgbClr val="000000"/>
+                        <a:srgbClr val="000000">
+                          <a:alpha val="100000"/>
+                        </a:srgbClr>
                       </a:solidFill>
                       <a:prstDash val="solid"/>
                     </a:lnR>
                     <a:lnT w="12700">
                       <a:solidFill>
-                        <a:srgbClr val="000000"/>
+                        <a:srgbClr val="000000">
+                          <a:alpha val="100000"/>
+                        </a:srgbClr>
                       </a:solidFill>
                       <a:prstDash val="solid"/>
                     </a:lnT>
                     <a:lnB w="12700">
                       <a:solidFill>
-                        <a:srgbClr val="000000"/>
+                        <a:srgbClr val="000000">
+                          <a:alpha val="100000"/>
+                        </a:srgbClr>
                       </a:solidFill>
                       <a:prstDash val="solid"/>
                     </a:lnB>
                     <a:solidFill>
-                      <a:srgbClr val="FFFFFF"/>
+                      <a:srgbClr val="FFFFFF">
+                        <a:alpha val="0"/>
+                      </a:srgbClr>
                     </a:solidFill>
                   </a:tcPr>
                 </a:tc>
@@ -11288,7 +11397,9 @@
                       <a:r>
                         <a:rPr sz="1100">
                           <a:solidFill>
-                            <a:srgbClr val="000000"/>
+                            <a:srgbClr val="000000">
+                              <a:alpha val="100000"/>
+                            </a:srgbClr>
                           </a:solidFill>
                           <a:latin typeface="Times New Roman"/>
                           <a:ea typeface="Times New Roman"/>
@@ -11299,7 +11410,9 @@
                       <a:r>
                         <a:rPr sz="1100">
                           <a:solidFill>
-                            <a:srgbClr val="000000"/>
+                            <a:srgbClr val="000000">
+                              <a:alpha val="100000"/>
+                            </a:srgbClr>
                           </a:solidFill>
                           <a:latin typeface="Times New Roman"/>
                           <a:ea typeface="Times New Roman"/>
@@ -11312,30 +11425,40 @@
                   <a:tcPr anchor="ctr" marB="0" marT="0" marR="0" marL="0">
                     <a:lnL w="12700">
                       <a:solidFill>
-                        <a:srgbClr val="000000"/>
+                        <a:srgbClr val="000000">
+                          <a:alpha val="100000"/>
+                        </a:srgbClr>
                       </a:solidFill>
                       <a:prstDash val="solid"/>
                     </a:lnL>
                     <a:lnR w="12700">
                       <a:solidFill>
-                        <a:srgbClr val="000000"/>
+                        <a:srgbClr val="000000">
+                          <a:alpha val="100000"/>
+                        </a:srgbClr>
                       </a:solidFill>
                       <a:prstDash val="solid"/>
                     </a:lnR>
                     <a:lnT w="12700">
                       <a:solidFill>
-                        <a:srgbClr val="000000"/>
+                        <a:srgbClr val="000000">
+                          <a:alpha val="100000"/>
+                        </a:srgbClr>
                       </a:solidFill>
                       <a:prstDash val="solid"/>
                     </a:lnT>
                     <a:lnB w="12700">
                       <a:solidFill>
-                        <a:srgbClr val="000000"/>
+                        <a:srgbClr val="000000">
+                          <a:alpha val="100000"/>
+                        </a:srgbClr>
                       </a:solidFill>
                       <a:prstDash val="solid"/>
                     </a:lnB>
                     <a:solidFill>
-                      <a:srgbClr val="FFFFFF"/>
+                      <a:srgbClr val="FFFFFF">
+                        <a:alpha val="0"/>
+                      </a:srgbClr>
                     </a:solidFill>
                   </a:tcPr>
                 </a:tc>
@@ -11356,7 +11479,9 @@
                       <a:r>
                         <a:rPr sz="1100">
                           <a:solidFill>
-                            <a:srgbClr val="000000"/>
+                            <a:srgbClr val="000000">
+                              <a:alpha val="100000"/>
+                            </a:srgbClr>
                           </a:solidFill>
                           <a:latin typeface="Times New Roman"/>
                           <a:ea typeface="Times New Roman"/>
@@ -11367,7 +11492,9 @@
                       <a:r>
                         <a:rPr sz="1100">
                           <a:solidFill>
-                            <a:srgbClr val="000000"/>
+                            <a:srgbClr val="000000">
+                              <a:alpha val="100000"/>
+                            </a:srgbClr>
                           </a:solidFill>
                           <a:latin typeface="Times New Roman"/>
                           <a:ea typeface="Times New Roman"/>
@@ -11380,30 +11507,40 @@
                   <a:tcPr anchor="ctr" marB="0" marT="0" marR="0" marL="0">
                     <a:lnL w="12700">
                       <a:solidFill>
-                        <a:srgbClr val="000000"/>
+                        <a:srgbClr val="000000">
+                          <a:alpha val="100000"/>
+                        </a:srgbClr>
                       </a:solidFill>
                       <a:prstDash val="solid"/>
                     </a:lnL>
                     <a:lnR w="12700">
                       <a:solidFill>
-                        <a:srgbClr val="000000"/>
+                        <a:srgbClr val="000000">
+                          <a:alpha val="100000"/>
+                        </a:srgbClr>
                       </a:solidFill>
                       <a:prstDash val="solid"/>
                     </a:lnR>
                     <a:lnT w="12700">
                       <a:solidFill>
-                        <a:srgbClr val="000000"/>
+                        <a:srgbClr val="000000">
+                          <a:alpha val="100000"/>
+                        </a:srgbClr>
                       </a:solidFill>
                       <a:prstDash val="solid"/>
                     </a:lnT>
                     <a:lnB w="12700">
                       <a:solidFill>
-                        <a:srgbClr val="000000"/>
+                        <a:srgbClr val="000000">
+                          <a:alpha val="100000"/>
+                        </a:srgbClr>
                       </a:solidFill>
                       <a:prstDash val="solid"/>
                     </a:lnB>
                     <a:solidFill>
-                      <a:srgbClr val="FFFFFF"/>
+                      <a:srgbClr val="FFFFFF">
+                        <a:alpha val="0"/>
+                      </a:srgbClr>
                     </a:solidFill>
                   </a:tcPr>
                 </a:tc>
@@ -11424,7 +11561,9 @@
                       <a:r>
                         <a:rPr sz="1100">
                           <a:solidFill>
-                            <a:srgbClr val="000000"/>
+                            <a:srgbClr val="000000">
+                              <a:alpha val="100000"/>
+                            </a:srgbClr>
                           </a:solidFill>
                           <a:latin typeface="Times New Roman"/>
                           <a:ea typeface="Times New Roman"/>
@@ -11435,7 +11574,9 @@
                       <a:r>
                         <a:rPr sz="1100">
                           <a:solidFill>
-                            <a:srgbClr val="000000"/>
+                            <a:srgbClr val="000000">
+                              <a:alpha val="100000"/>
+                            </a:srgbClr>
                           </a:solidFill>
                           <a:latin typeface="Times New Roman"/>
                           <a:ea typeface="Times New Roman"/>
@@ -11448,30 +11589,40 @@
                   <a:tcPr anchor="ctr" marB="0" marT="0" marR="0" marL="0">
                     <a:lnL w="12700">
                       <a:solidFill>
-                        <a:srgbClr val="000000"/>
+                        <a:srgbClr val="000000">
+                          <a:alpha val="100000"/>
+                        </a:srgbClr>
                       </a:solidFill>
                       <a:prstDash val="solid"/>
                     </a:lnL>
                     <a:lnR w="12700">
                       <a:solidFill>
-                        <a:srgbClr val="000000"/>
+                        <a:srgbClr val="000000">
+                          <a:alpha val="100000"/>
+                        </a:srgbClr>
                       </a:solidFill>
                       <a:prstDash val="solid"/>
                     </a:lnR>
                     <a:lnT w="12700">
                       <a:solidFill>
-                        <a:srgbClr val="000000"/>
+                        <a:srgbClr val="000000">
+                          <a:alpha val="100000"/>
+                        </a:srgbClr>
                       </a:solidFill>
                       <a:prstDash val="solid"/>
                     </a:lnT>
                     <a:lnB w="12700">
                       <a:solidFill>
-                        <a:srgbClr val="000000"/>
+                        <a:srgbClr val="000000">
+                          <a:alpha val="100000"/>
+                        </a:srgbClr>
                       </a:solidFill>
                       <a:prstDash val="solid"/>
                     </a:lnB>
                     <a:solidFill>
-                      <a:srgbClr val="FFFFFF"/>
+                      <a:srgbClr val="FFFFFF">
+                        <a:alpha val="0"/>
+                      </a:srgbClr>
                     </a:solidFill>
                   </a:tcPr>
                 </a:tc>
@@ -11492,7 +11643,9 @@
                       <a:r>
                         <a:rPr sz="1100">
                           <a:solidFill>
-                            <a:srgbClr val="000000"/>
+                            <a:srgbClr val="000000">
+                              <a:alpha val="100000"/>
+                            </a:srgbClr>
                           </a:solidFill>
                           <a:latin typeface="Times New Roman"/>
                           <a:ea typeface="Times New Roman"/>
@@ -11503,7 +11656,9 @@
                       <a:r>
                         <a:rPr sz="1100">
                           <a:solidFill>
-                            <a:srgbClr val="000000"/>
+                            <a:srgbClr val="000000">
+                              <a:alpha val="100000"/>
+                            </a:srgbClr>
                           </a:solidFill>
                           <a:latin typeface="Times New Roman"/>
                           <a:ea typeface="Times New Roman"/>
@@ -11516,30 +11671,40 @@
                   <a:tcPr anchor="ctr" marB="0" marT="0" marR="0" marL="0">
                     <a:lnL w="12700">
                       <a:solidFill>
-                        <a:srgbClr val="000000"/>
+                        <a:srgbClr val="000000">
+                          <a:alpha val="100000"/>
+                        </a:srgbClr>
                       </a:solidFill>
                       <a:prstDash val="solid"/>
                     </a:lnL>
                     <a:lnR w="12700">
                       <a:solidFill>
-                        <a:srgbClr val="000000"/>
+                        <a:srgbClr val="000000">
+                          <a:alpha val="100000"/>
+                        </a:srgbClr>
                       </a:solidFill>
                       <a:prstDash val="solid"/>
                     </a:lnR>
                     <a:lnT w="12700">
                       <a:solidFill>
-                        <a:srgbClr val="000000"/>
+                        <a:srgbClr val="000000">
+                          <a:alpha val="100000"/>
+                        </a:srgbClr>
                       </a:solidFill>
                       <a:prstDash val="solid"/>
                     </a:lnT>
                     <a:lnB w="12700">
                       <a:solidFill>
-                        <a:srgbClr val="000000"/>
+                        <a:srgbClr val="000000">
+                          <a:alpha val="100000"/>
+                        </a:srgbClr>
                       </a:solidFill>
                       <a:prstDash val="solid"/>
                     </a:lnB>
                     <a:solidFill>
-                      <a:srgbClr val="FFFFFF"/>
+                      <a:srgbClr val="FFFFFF">
+                        <a:alpha val="0"/>
+                      </a:srgbClr>
                     </a:solidFill>
                   </a:tcPr>
                 </a:tc>
@@ -11562,7 +11727,9 @@
                       <a:r>
                         <a:rPr sz="1100">
                           <a:solidFill>
-                            <a:srgbClr val="000000"/>
+                            <a:srgbClr val="000000">
+                              <a:alpha val="100000"/>
+                            </a:srgbClr>
                           </a:solidFill>
                           <a:latin typeface="Times New Roman"/>
                           <a:ea typeface="Times New Roman"/>
@@ -11573,7 +11740,9 @@
                       <a:r>
                         <a:rPr sz="1100">
                           <a:solidFill>
-                            <a:srgbClr val="000000"/>
+                            <a:srgbClr val="000000">
+                              <a:alpha val="100000"/>
+                            </a:srgbClr>
                           </a:solidFill>
                           <a:latin typeface="Times New Roman"/>
                           <a:ea typeface="Times New Roman"/>
@@ -11586,30 +11755,40 @@
                   <a:tcPr anchor="ctr" marB="0" marT="0" marR="0" marL="0">
                     <a:lnL w="12700">
                       <a:solidFill>
-                        <a:srgbClr val="000000"/>
+                        <a:srgbClr val="000000">
+                          <a:alpha val="100000"/>
+                        </a:srgbClr>
                       </a:solidFill>
                       <a:prstDash val="solid"/>
                     </a:lnL>
                     <a:lnR w="12700">
                       <a:solidFill>
-                        <a:srgbClr val="000000"/>
+                        <a:srgbClr val="000000">
+                          <a:alpha val="100000"/>
+                        </a:srgbClr>
                       </a:solidFill>
                       <a:prstDash val="solid"/>
                     </a:lnR>
                     <a:lnT w="12700">
                       <a:solidFill>
-                        <a:srgbClr val="000000"/>
+                        <a:srgbClr val="000000">
+                          <a:alpha val="100000"/>
+                        </a:srgbClr>
                       </a:solidFill>
                       <a:prstDash val="solid"/>
                     </a:lnT>
                     <a:lnB w="12700">
                       <a:solidFill>
-                        <a:srgbClr val="000000"/>
+                        <a:srgbClr val="000000">
+                          <a:alpha val="100000"/>
+                        </a:srgbClr>
                       </a:solidFill>
                       <a:prstDash val="solid"/>
                     </a:lnB>
                     <a:solidFill>
-                      <a:srgbClr val="FFFFFF"/>
+                      <a:srgbClr val="FFFFFF">
+                        <a:alpha val="0"/>
+                      </a:srgbClr>
                     </a:solidFill>
                   </a:tcPr>
                 </a:tc>
@@ -11630,7 +11809,9 @@
                       <a:r>
                         <a:rPr sz="1100">
                           <a:solidFill>
-                            <a:srgbClr val="000000"/>
+                            <a:srgbClr val="000000">
+                              <a:alpha val="100000"/>
+                            </a:srgbClr>
                           </a:solidFill>
                           <a:latin typeface="Times New Roman"/>
                           <a:ea typeface="Times New Roman"/>
@@ -11641,7 +11822,9 @@
                       <a:r>
                         <a:rPr sz="1100">
                           <a:solidFill>
-                            <a:srgbClr val="000000"/>
+                            <a:srgbClr val="000000">
+                              <a:alpha val="100000"/>
+                            </a:srgbClr>
                           </a:solidFill>
                           <a:latin typeface="Times New Roman"/>
                           <a:ea typeface="Times New Roman"/>
@@ -11654,30 +11837,40 @@
                   <a:tcPr anchor="ctr" marB="0" marT="0" marR="0" marL="0">
                     <a:lnL w="12700">
                       <a:solidFill>
-                        <a:srgbClr val="000000"/>
+                        <a:srgbClr val="000000">
+                          <a:alpha val="100000"/>
+                        </a:srgbClr>
                       </a:solidFill>
                       <a:prstDash val="solid"/>
                     </a:lnL>
                     <a:lnR w="12700">
                       <a:solidFill>
-                        <a:srgbClr val="000000"/>
+                        <a:srgbClr val="000000">
+                          <a:alpha val="100000"/>
+                        </a:srgbClr>
                       </a:solidFill>
                       <a:prstDash val="solid"/>
                     </a:lnR>
                     <a:lnT w="12700">
                       <a:solidFill>
-                        <a:srgbClr val="000000"/>
+                        <a:srgbClr val="000000">
+                          <a:alpha val="100000"/>
+                        </a:srgbClr>
                       </a:solidFill>
                       <a:prstDash val="solid"/>
                     </a:lnT>
                     <a:lnB w="12700">
                       <a:solidFill>
-                        <a:srgbClr val="000000"/>
+                        <a:srgbClr val="000000">
+                          <a:alpha val="100000"/>
+                        </a:srgbClr>
                       </a:solidFill>
                       <a:prstDash val="solid"/>
                     </a:lnB>
                     <a:solidFill>
-                      <a:srgbClr val="FFFFFF"/>
+                      <a:srgbClr val="FFFFFF">
+                        <a:alpha val="0"/>
+                      </a:srgbClr>
                     </a:solidFill>
                   </a:tcPr>
                 </a:tc>
@@ -11698,7 +11891,9 @@
                       <a:r>
                         <a:rPr sz="1100">
                           <a:solidFill>
-                            <a:srgbClr val="000000"/>
+                            <a:srgbClr val="000000">
+                              <a:alpha val="100000"/>
+                            </a:srgbClr>
                           </a:solidFill>
                           <a:latin typeface="Times New Roman"/>
                           <a:ea typeface="Times New Roman"/>
@@ -11709,7 +11904,9 @@
                       <a:r>
                         <a:rPr sz="1100">
                           <a:solidFill>
-                            <a:srgbClr val="000000"/>
+                            <a:srgbClr val="000000">
+                              <a:alpha val="100000"/>
+                            </a:srgbClr>
                           </a:solidFill>
                           <a:latin typeface="Times New Roman"/>
                           <a:ea typeface="Times New Roman"/>
@@ -11722,30 +11919,40 @@
                   <a:tcPr anchor="ctr" marB="0" marT="0" marR="0" marL="0">
                     <a:lnL w="12700">
                       <a:solidFill>
-                        <a:srgbClr val="000000"/>
+                        <a:srgbClr val="000000">
+                          <a:alpha val="100000"/>
+                        </a:srgbClr>
                       </a:solidFill>
                       <a:prstDash val="solid"/>
                     </a:lnL>
                     <a:lnR w="12700">
                       <a:solidFill>
-                        <a:srgbClr val="000000"/>
+                        <a:srgbClr val="000000">
+                          <a:alpha val="100000"/>
+                        </a:srgbClr>
                       </a:solidFill>
                       <a:prstDash val="solid"/>
                     </a:lnR>
                     <a:lnT w="12700">
                       <a:solidFill>
-                        <a:srgbClr val="000000"/>
+                        <a:srgbClr val="000000">
+                          <a:alpha val="100000"/>
+                        </a:srgbClr>
                       </a:solidFill>
                       <a:prstDash val="solid"/>
                     </a:lnT>
                     <a:lnB w="12700">
                       <a:solidFill>
-                        <a:srgbClr val="000000"/>
+                        <a:srgbClr val="000000">
+                          <a:alpha val="100000"/>
+                        </a:srgbClr>
                       </a:solidFill>
                       <a:prstDash val="solid"/>
                     </a:lnB>
                     <a:solidFill>
-                      <a:srgbClr val="FFFFFF"/>
+                      <a:srgbClr val="FFFFFF">
+                        <a:alpha val="0"/>
+                      </a:srgbClr>
                     </a:solidFill>
                   </a:tcPr>
                 </a:tc>
@@ -11766,7 +11973,9 @@
                       <a:r>
                         <a:rPr sz="1100">
                           <a:solidFill>
-                            <a:srgbClr val="000000"/>
+                            <a:srgbClr val="000000">
+                              <a:alpha val="100000"/>
+                            </a:srgbClr>
                           </a:solidFill>
                           <a:latin typeface="Times New Roman"/>
                           <a:ea typeface="Times New Roman"/>
@@ -11777,7 +11986,9 @@
                       <a:r>
                         <a:rPr sz="1100">
                           <a:solidFill>
-                            <a:srgbClr val="000000"/>
+                            <a:srgbClr val="000000">
+                              <a:alpha val="100000"/>
+                            </a:srgbClr>
                           </a:solidFill>
                           <a:latin typeface="Times New Roman"/>
                           <a:ea typeface="Times New Roman"/>
@@ -11790,30 +12001,40 @@
                   <a:tcPr anchor="ctr" marB="0" marT="0" marR="0" marL="0">
                     <a:lnL w="12700">
                       <a:solidFill>
-                        <a:srgbClr val="000000"/>
+                        <a:srgbClr val="000000">
+                          <a:alpha val="100000"/>
+                        </a:srgbClr>
                       </a:solidFill>
                       <a:prstDash val="solid"/>
                     </a:lnL>
                     <a:lnR w="12700">
                       <a:solidFill>
-                        <a:srgbClr val="000000"/>
+                        <a:srgbClr val="000000">
+                          <a:alpha val="100000"/>
+                        </a:srgbClr>
                       </a:solidFill>
                       <a:prstDash val="solid"/>
                     </a:lnR>
                     <a:lnT w="12700">
                       <a:solidFill>
-                        <a:srgbClr val="000000"/>
+                        <a:srgbClr val="000000">
+                          <a:alpha val="100000"/>
+                        </a:srgbClr>
                       </a:solidFill>
                       <a:prstDash val="solid"/>
                     </a:lnT>
                     <a:lnB w="12700">
                       <a:solidFill>
-                        <a:srgbClr val="000000"/>
+                        <a:srgbClr val="000000">
+                          <a:alpha val="100000"/>
+                        </a:srgbClr>
                       </a:solidFill>
                       <a:prstDash val="solid"/>
                     </a:lnB>
                     <a:solidFill>
-                      <a:srgbClr val="FFFFFF"/>
+                      <a:srgbClr val="FFFFFF">
+                        <a:alpha val="0"/>
+                      </a:srgbClr>
                     </a:solidFill>
                   </a:tcPr>
                 </a:tc>
@@ -11834,7 +12055,9 @@
                       <a:r>
                         <a:rPr sz="1100">
                           <a:solidFill>
-                            <a:srgbClr val="000000"/>
+                            <a:srgbClr val="000000">
+                              <a:alpha val="100000"/>
+                            </a:srgbClr>
                           </a:solidFill>
                           <a:latin typeface="Times New Roman"/>
                           <a:ea typeface="Times New Roman"/>
@@ -11845,7 +12068,9 @@
                       <a:r>
                         <a:rPr sz="1100">
                           <a:solidFill>
-                            <a:srgbClr val="000000"/>
+                            <a:srgbClr val="000000">
+                              <a:alpha val="100000"/>
+                            </a:srgbClr>
                           </a:solidFill>
                           <a:latin typeface="Times New Roman"/>
                           <a:ea typeface="Times New Roman"/>
@@ -11858,30 +12083,40 @@
                   <a:tcPr anchor="ctr" marB="0" marT="0" marR="0" marL="0">
                     <a:lnL w="12700">
                       <a:solidFill>
-                        <a:srgbClr val="000000"/>
+                        <a:srgbClr val="000000">
+                          <a:alpha val="100000"/>
+                        </a:srgbClr>
                       </a:solidFill>
                       <a:prstDash val="solid"/>
                     </a:lnL>
                     <a:lnR w="12700">
                       <a:solidFill>
-                        <a:srgbClr val="000000"/>
+                        <a:srgbClr val="000000">
+                          <a:alpha val="100000"/>
+                        </a:srgbClr>
                       </a:solidFill>
                       <a:prstDash val="solid"/>
                     </a:lnR>
                     <a:lnT w="12700">
                       <a:solidFill>
-                        <a:srgbClr val="000000"/>
+                        <a:srgbClr val="000000">
+                          <a:alpha val="100000"/>
+                        </a:srgbClr>
                       </a:solidFill>
                       <a:prstDash val="solid"/>
                     </a:lnT>
                     <a:lnB w="12700">
                       <a:solidFill>
-                        <a:srgbClr val="000000"/>
+                        <a:srgbClr val="000000">
+                          <a:alpha val="100000"/>
+                        </a:srgbClr>
                       </a:solidFill>
                       <a:prstDash val="solid"/>
                     </a:lnB>
                     <a:solidFill>
-                      <a:srgbClr val="FFFFFF"/>
+                      <a:srgbClr val="FFFFFF">
+                        <a:alpha val="0"/>
+                      </a:srgbClr>
                     </a:solidFill>
                   </a:tcPr>
                 </a:tc>
@@ -11904,7 +12139,9 @@
                       <a:r>
                         <a:rPr sz="1100">
                           <a:solidFill>
-                            <a:srgbClr val="000000"/>
+                            <a:srgbClr val="000000">
+                              <a:alpha val="100000"/>
+                            </a:srgbClr>
                           </a:solidFill>
                           <a:latin typeface="Times New Roman"/>
                           <a:ea typeface="Times New Roman"/>
@@ -11915,7 +12152,9 @@
                       <a:r>
                         <a:rPr sz="1100">
                           <a:solidFill>
-                            <a:srgbClr val="000000"/>
+                            <a:srgbClr val="000000">
+                              <a:alpha val="100000"/>
+                            </a:srgbClr>
                           </a:solidFill>
                           <a:latin typeface="Times New Roman"/>
                           <a:ea typeface="Times New Roman"/>
@@ -11928,30 +12167,40 @@
                   <a:tcPr anchor="ctr" marB="0" marT="0" marR="0" marL="0">
                     <a:lnL w="12700">
                       <a:solidFill>
-                        <a:srgbClr val="000000"/>
+                        <a:srgbClr val="000000">
+                          <a:alpha val="100000"/>
+                        </a:srgbClr>
                       </a:solidFill>
                       <a:prstDash val="solid"/>
                     </a:lnL>
                     <a:lnR w="12700">
                       <a:solidFill>
-                        <a:srgbClr val="000000"/>
+                        <a:srgbClr val="000000">
+                          <a:alpha val="100000"/>
+                        </a:srgbClr>
                       </a:solidFill>
                       <a:prstDash val="solid"/>
                     </a:lnR>
                     <a:lnT w="12700">
                       <a:solidFill>
-                        <a:srgbClr val="000000"/>
+                        <a:srgbClr val="000000">
+                          <a:alpha val="100000"/>
+                        </a:srgbClr>
                       </a:solidFill>
                       <a:prstDash val="solid"/>
                     </a:lnT>
                     <a:lnB w="12700">
                       <a:solidFill>
-                        <a:srgbClr val="000000"/>
+                        <a:srgbClr val="000000">
+                          <a:alpha val="100000"/>
+                        </a:srgbClr>
                       </a:solidFill>
                       <a:prstDash val="solid"/>
                     </a:lnB>
                     <a:solidFill>
-                      <a:srgbClr val="FFFFFF"/>
+                      <a:srgbClr val="FFFFFF">
+                        <a:alpha val="0"/>
+                      </a:srgbClr>
                     </a:solidFill>
                   </a:tcPr>
                 </a:tc>
@@ -11972,7 +12221,9 @@
                       <a:r>
                         <a:rPr sz="1100">
                           <a:solidFill>
-                            <a:srgbClr val="000000"/>
+                            <a:srgbClr val="000000">
+                              <a:alpha val="100000"/>
+                            </a:srgbClr>
                           </a:solidFill>
                           <a:latin typeface="Times New Roman"/>
                           <a:ea typeface="Times New Roman"/>
@@ -11983,7 +12234,9 @@
                       <a:r>
                         <a:rPr sz="1100">
                           <a:solidFill>
-                            <a:srgbClr val="000000"/>
+                            <a:srgbClr val="000000">
+                              <a:alpha val="100000"/>
+                            </a:srgbClr>
                           </a:solidFill>
                           <a:latin typeface="Times New Roman"/>
                           <a:ea typeface="Times New Roman"/>
@@ -11996,30 +12249,40 @@
                   <a:tcPr anchor="ctr" marB="0" marT="0" marR="0" marL="0">
                     <a:lnL w="12700">
                       <a:solidFill>
-                        <a:srgbClr val="000000"/>
+                        <a:srgbClr val="000000">
+                          <a:alpha val="100000"/>
+                        </a:srgbClr>
                       </a:solidFill>
                       <a:prstDash val="solid"/>
                     </a:lnL>
                     <a:lnR w="12700">
                       <a:solidFill>
-                        <a:srgbClr val="000000"/>
+                        <a:srgbClr val="000000">
+                          <a:alpha val="100000"/>
+                        </a:srgbClr>
                       </a:solidFill>
                       <a:prstDash val="solid"/>
                     </a:lnR>
                     <a:lnT w="12700">
                       <a:solidFill>
-                        <a:srgbClr val="000000"/>
+                        <a:srgbClr val="000000">
+                          <a:alpha val="100000"/>
+                        </a:srgbClr>
                       </a:solidFill>
                       <a:prstDash val="solid"/>
                     </a:lnT>
                     <a:lnB w="12700">
                       <a:solidFill>
-                        <a:srgbClr val="000000"/>
+                        <a:srgbClr val="000000">
+                          <a:alpha val="100000"/>
+                        </a:srgbClr>
                       </a:solidFill>
                       <a:prstDash val="solid"/>
                     </a:lnB>
                     <a:solidFill>
-                      <a:srgbClr val="FFFFFF"/>
+                      <a:srgbClr val="FFFFFF">
+                        <a:alpha val="0"/>
+                      </a:srgbClr>
                     </a:solidFill>
                   </a:tcPr>
                 </a:tc>
@@ -12040,7 +12303,9 @@
                       <a:r>
                         <a:rPr sz="1100">
                           <a:solidFill>
-                            <a:srgbClr val="000000"/>
+                            <a:srgbClr val="000000">
+                              <a:alpha val="100000"/>
+                            </a:srgbClr>
                           </a:solidFill>
                           <a:latin typeface="Times New Roman"/>
                           <a:ea typeface="Times New Roman"/>
@@ -12051,7 +12316,9 @@
                       <a:r>
                         <a:rPr sz="1100">
                           <a:solidFill>
-                            <a:srgbClr val="000000"/>
+                            <a:srgbClr val="000000">
+                              <a:alpha val="100000"/>
+                            </a:srgbClr>
                           </a:solidFill>
                           <a:latin typeface="Times New Roman"/>
                           <a:ea typeface="Times New Roman"/>
@@ -12064,30 +12331,40 @@
                   <a:tcPr anchor="ctr" marB="0" marT="0" marR="0" marL="0">
                     <a:lnL w="12700">
                       <a:solidFill>
-                        <a:srgbClr val="000000"/>
+                        <a:srgbClr val="000000">
+                          <a:alpha val="100000"/>
+                        </a:srgbClr>
                       </a:solidFill>
                       <a:prstDash val="solid"/>
                     </a:lnL>
                     <a:lnR w="12700">
                       <a:solidFill>
-                        <a:srgbClr val="000000"/>
+                        <a:srgbClr val="000000">
+                          <a:alpha val="100000"/>
+                        </a:srgbClr>
                       </a:solidFill>
                       <a:prstDash val="solid"/>
                     </a:lnR>
                     <a:lnT w="12700">
                       <a:solidFill>
-                        <a:srgbClr val="000000"/>
+                        <a:srgbClr val="000000">
+                          <a:alpha val="100000"/>
+                        </a:srgbClr>
                       </a:solidFill>
                       <a:prstDash val="solid"/>
                     </a:lnT>
                     <a:lnB w="12700">
                       <a:solidFill>
-                        <a:srgbClr val="000000"/>
+                        <a:srgbClr val="000000">
+                          <a:alpha val="100000"/>
+                        </a:srgbClr>
                       </a:solidFill>
                       <a:prstDash val="solid"/>
                     </a:lnB>
                     <a:solidFill>
-                      <a:srgbClr val="FFFFFF"/>
+                      <a:srgbClr val="FFFFFF">
+                        <a:alpha val="0"/>
+                      </a:srgbClr>
                     </a:solidFill>
                   </a:tcPr>
                 </a:tc>
@@ -12108,7 +12385,9 @@
                       <a:r>
                         <a:rPr sz="1100">
                           <a:solidFill>
-                            <a:srgbClr val="000000"/>
+                            <a:srgbClr val="000000">
+                              <a:alpha val="100000"/>
+                            </a:srgbClr>
                           </a:solidFill>
                           <a:latin typeface="Times New Roman"/>
                           <a:ea typeface="Times New Roman"/>
@@ -12119,7 +12398,9 @@
                       <a:r>
                         <a:rPr sz="1100">
                           <a:solidFill>
-                            <a:srgbClr val="000000"/>
+                            <a:srgbClr val="000000">
+                              <a:alpha val="100000"/>
+                            </a:srgbClr>
                           </a:solidFill>
                           <a:latin typeface="Times New Roman"/>
                           <a:ea typeface="Times New Roman"/>
@@ -12132,30 +12413,40 @@
                   <a:tcPr anchor="ctr" marB="0" marT="0" marR="0" marL="0">
                     <a:lnL w="12700">
                       <a:solidFill>
-                        <a:srgbClr val="000000"/>
+                        <a:srgbClr val="000000">
+                          <a:alpha val="100000"/>
+                        </a:srgbClr>
                       </a:solidFill>
                       <a:prstDash val="solid"/>
                     </a:lnL>
                     <a:lnR w="12700">
                       <a:solidFill>
-                        <a:srgbClr val="000000"/>
+                        <a:srgbClr val="000000">
+                          <a:alpha val="100000"/>
+                        </a:srgbClr>
                       </a:solidFill>
                       <a:prstDash val="solid"/>
                     </a:lnR>
                     <a:lnT w="12700">
                       <a:solidFill>
-                        <a:srgbClr val="000000"/>
+                        <a:srgbClr val="000000">
+                          <a:alpha val="100000"/>
+                        </a:srgbClr>
                       </a:solidFill>
                       <a:prstDash val="solid"/>
                     </a:lnT>
                     <a:lnB w="12700">
                       <a:solidFill>
-                        <a:srgbClr val="000000"/>
+                        <a:srgbClr val="000000">
+                          <a:alpha val="100000"/>
+                        </a:srgbClr>
                       </a:solidFill>
                       <a:prstDash val="solid"/>
                     </a:lnB>
                     <a:solidFill>
-                      <a:srgbClr val="FFFFFF"/>
+                      <a:srgbClr val="FFFFFF">
+                        <a:alpha val="0"/>
+                      </a:srgbClr>
                     </a:solidFill>
                   </a:tcPr>
                 </a:tc>
@@ -12176,7 +12467,9 @@
                       <a:r>
                         <a:rPr sz="1100">
                           <a:solidFill>
-                            <a:srgbClr val="000000"/>
+                            <a:srgbClr val="000000">
+                              <a:alpha val="100000"/>
+                            </a:srgbClr>
                           </a:solidFill>
                           <a:latin typeface="Times New Roman"/>
                           <a:ea typeface="Times New Roman"/>
@@ -12187,7 +12480,9 @@
                       <a:r>
                         <a:rPr sz="1100">
                           <a:solidFill>
-                            <a:srgbClr val="000000"/>
+                            <a:srgbClr val="000000">
+                              <a:alpha val="100000"/>
+                            </a:srgbClr>
                           </a:solidFill>
                           <a:latin typeface="Times New Roman"/>
                           <a:ea typeface="Times New Roman"/>
@@ -12200,30 +12495,40 @@
                   <a:tcPr anchor="ctr" marB="0" marT="0" marR="0" marL="0">
                     <a:lnL w="12700">
                       <a:solidFill>
-                        <a:srgbClr val="000000"/>
+                        <a:srgbClr val="000000">
+                          <a:alpha val="100000"/>
+                        </a:srgbClr>
                       </a:solidFill>
                       <a:prstDash val="solid"/>
                     </a:lnL>
                     <a:lnR w="12700">
                       <a:solidFill>
-                        <a:srgbClr val="000000"/>
+                        <a:srgbClr val="000000">
+                          <a:alpha val="100000"/>
+                        </a:srgbClr>
                       </a:solidFill>
                       <a:prstDash val="solid"/>
                     </a:lnR>
                     <a:lnT w="12700">
                       <a:solidFill>
-                        <a:srgbClr val="000000"/>
+                        <a:srgbClr val="000000">
+                          <a:alpha val="100000"/>
+                        </a:srgbClr>
                       </a:solidFill>
                       <a:prstDash val="solid"/>
                     </a:lnT>
                     <a:lnB w="12700">
                       <a:solidFill>
-                        <a:srgbClr val="000000"/>
+                        <a:srgbClr val="000000">
+                          <a:alpha val="100000"/>
+                        </a:srgbClr>
                       </a:solidFill>
                       <a:prstDash val="solid"/>
                     </a:lnB>
                     <a:solidFill>
-                      <a:srgbClr val="FFFFFF"/>
+                      <a:srgbClr val="FFFFFF">
+                        <a:alpha val="0"/>
+                      </a:srgbClr>
                     </a:solidFill>
                   </a:tcPr>
                 </a:tc>
@@ -12246,7 +12551,9 @@
                       <a:r>
                         <a:rPr sz="1100">
                           <a:solidFill>
-                            <a:srgbClr val="000000"/>
+                            <a:srgbClr val="000000">
+                              <a:alpha val="100000"/>
+                            </a:srgbClr>
                           </a:solidFill>
                           <a:latin typeface="Times New Roman"/>
                           <a:ea typeface="Times New Roman"/>
@@ -12257,7 +12564,9 @@
                       <a:r>
                         <a:rPr sz="1100">
                           <a:solidFill>
-                            <a:srgbClr val="000000"/>
+                            <a:srgbClr val="000000">
+                              <a:alpha val="100000"/>
+                            </a:srgbClr>
                           </a:solidFill>
                           <a:latin typeface="Times New Roman"/>
                           <a:ea typeface="Times New Roman"/>
@@ -12270,30 +12579,40 @@
                   <a:tcPr anchor="ctr" marB="0" marT="0" marR="0" marL="0">
                     <a:lnL w="12700">
                       <a:solidFill>
-                        <a:srgbClr val="000000"/>
+                        <a:srgbClr val="000000">
+                          <a:alpha val="100000"/>
+                        </a:srgbClr>
                       </a:solidFill>
                       <a:prstDash val="solid"/>
                     </a:lnL>
                     <a:lnR w="12700">
                       <a:solidFill>
-                        <a:srgbClr val="000000"/>
+                        <a:srgbClr val="000000">
+                          <a:alpha val="100000"/>
+                        </a:srgbClr>
                       </a:solidFill>
                       <a:prstDash val="solid"/>
                     </a:lnR>
                     <a:lnT w="12700">
                       <a:solidFill>
-                        <a:srgbClr val="000000"/>
+                        <a:srgbClr val="000000">
+                          <a:alpha val="100000"/>
+                        </a:srgbClr>
                       </a:solidFill>
                       <a:prstDash val="solid"/>
                     </a:lnT>
                     <a:lnB w="12700">
                       <a:solidFill>
-                        <a:srgbClr val="000000"/>
+                        <a:srgbClr val="000000">
+                          <a:alpha val="100000"/>
+                        </a:srgbClr>
                       </a:solidFill>
                       <a:prstDash val="solid"/>
                     </a:lnB>
                     <a:solidFill>
-                      <a:srgbClr val="FFFFFF"/>
+                      <a:srgbClr val="FFFFFF">
+                        <a:alpha val="0"/>
+                      </a:srgbClr>
                     </a:solidFill>
                   </a:tcPr>
                 </a:tc>
@@ -12314,7 +12633,9 @@
                       <a:r>
                         <a:rPr sz="1100">
                           <a:solidFill>
-                            <a:srgbClr val="000000"/>
+                            <a:srgbClr val="000000">
+                              <a:alpha val="100000"/>
+                            </a:srgbClr>
                           </a:solidFill>
                           <a:latin typeface="Times New Roman"/>
                           <a:ea typeface="Times New Roman"/>
@@ -12325,7 +12646,9 @@
                       <a:r>
                         <a:rPr sz="1100">
                           <a:solidFill>
-                            <a:srgbClr val="000000"/>
+                            <a:srgbClr val="000000">
+                              <a:alpha val="100000"/>
+                            </a:srgbClr>
                           </a:solidFill>
                           <a:latin typeface="Times New Roman"/>
                           <a:ea typeface="Times New Roman"/>
@@ -12338,30 +12661,40 @@
                   <a:tcPr anchor="ctr" marB="0" marT="0" marR="0" marL="0">
                     <a:lnL w="12700">
                       <a:solidFill>
-                        <a:srgbClr val="000000"/>
+                        <a:srgbClr val="000000">
+                          <a:alpha val="100000"/>
+                        </a:srgbClr>
                       </a:solidFill>
                       <a:prstDash val="solid"/>
                     </a:lnL>
                     <a:lnR w="12700">
                       <a:solidFill>
-                        <a:srgbClr val="000000"/>
+                        <a:srgbClr val="000000">
+                          <a:alpha val="100000"/>
+                        </a:srgbClr>
                       </a:solidFill>
                       <a:prstDash val="solid"/>
                     </a:lnR>
                     <a:lnT w="12700">
                       <a:solidFill>
-                        <a:srgbClr val="000000"/>
+                        <a:srgbClr val="000000">
+                          <a:alpha val="100000"/>
+                        </a:srgbClr>
                       </a:solidFill>
                       <a:prstDash val="solid"/>
                     </a:lnT>
                     <a:lnB w="12700">
                       <a:solidFill>
-                        <a:srgbClr val="000000"/>
+                        <a:srgbClr val="000000">
+                          <a:alpha val="100000"/>
+                        </a:srgbClr>
                       </a:solidFill>
                       <a:prstDash val="solid"/>
                     </a:lnB>
                     <a:solidFill>
-                      <a:srgbClr val="FFFFFF"/>
+                      <a:srgbClr val="FFFFFF">
+                        <a:alpha val="0"/>
+                      </a:srgbClr>
                     </a:solidFill>
                   </a:tcPr>
                 </a:tc>
@@ -12382,7 +12715,9 @@
                       <a:r>
                         <a:rPr sz="1100">
                           <a:solidFill>
-                            <a:srgbClr val="000000"/>
+                            <a:srgbClr val="000000">
+                              <a:alpha val="100000"/>
+                            </a:srgbClr>
                           </a:solidFill>
                           <a:latin typeface="Times New Roman"/>
                           <a:ea typeface="Times New Roman"/>
@@ -12393,7 +12728,9 @@
                       <a:r>
                         <a:rPr sz="1100">
                           <a:solidFill>
-                            <a:srgbClr val="000000"/>
+                            <a:srgbClr val="000000">
+                              <a:alpha val="100000"/>
+                            </a:srgbClr>
                           </a:solidFill>
                           <a:latin typeface="Times New Roman"/>
                           <a:ea typeface="Times New Roman"/>
@@ -12406,30 +12743,40 @@
                   <a:tcPr anchor="ctr" marB="0" marT="0" marR="0" marL="0">
                     <a:lnL w="12700">
                       <a:solidFill>
-                        <a:srgbClr val="000000"/>
+                        <a:srgbClr val="000000">
+                          <a:alpha val="100000"/>
+                        </a:srgbClr>
                       </a:solidFill>
                       <a:prstDash val="solid"/>
                     </a:lnL>
                     <a:lnR w="12700">
                       <a:solidFill>
-                        <a:srgbClr val="000000"/>
+                        <a:srgbClr val="000000">
+                          <a:alpha val="100000"/>
+                        </a:srgbClr>
                       </a:solidFill>
                       <a:prstDash val="solid"/>
                     </a:lnR>
                     <a:lnT w="12700">
                       <a:solidFill>
-                        <a:srgbClr val="000000"/>
+                        <a:srgbClr val="000000">
+                          <a:alpha val="100000"/>
+                        </a:srgbClr>
                       </a:solidFill>
                       <a:prstDash val="solid"/>
                     </a:lnT>
                     <a:lnB w="12700">
                       <a:solidFill>
-                        <a:srgbClr val="000000"/>
+                        <a:srgbClr val="000000">
+                          <a:alpha val="100000"/>
+                        </a:srgbClr>
                       </a:solidFill>
                       <a:prstDash val="solid"/>
                     </a:lnB>
                     <a:solidFill>
-                      <a:srgbClr val="FFFFFF"/>
+                      <a:srgbClr val="FFFFFF">
+                        <a:alpha val="0"/>
+                      </a:srgbClr>
                     </a:solidFill>
                   </a:tcPr>
                 </a:tc>
@@ -12450,7 +12797,9 @@
                       <a:r>
                         <a:rPr sz="1100">
                           <a:solidFill>
-                            <a:srgbClr val="000000"/>
+                            <a:srgbClr val="000000">
+                              <a:alpha val="100000"/>
+                            </a:srgbClr>
                           </a:solidFill>
                           <a:latin typeface="Times New Roman"/>
                           <a:ea typeface="Times New Roman"/>
@@ -12461,7 +12810,9 @@
                       <a:r>
                         <a:rPr sz="1100">
                           <a:solidFill>
-                            <a:srgbClr val="000000"/>
+                            <a:srgbClr val="000000">
+                              <a:alpha val="100000"/>
+                            </a:srgbClr>
                           </a:solidFill>
                           <a:latin typeface="Times New Roman"/>
                           <a:ea typeface="Times New Roman"/>
@@ -12474,30 +12825,40 @@
                   <a:tcPr anchor="ctr" marB="0" marT="0" marR="0" marL="0">
                     <a:lnL w="12700">
                       <a:solidFill>
-                        <a:srgbClr val="000000"/>
+                        <a:srgbClr val="000000">
+                          <a:alpha val="100000"/>
+                        </a:srgbClr>
                       </a:solidFill>
                       <a:prstDash val="solid"/>
                     </a:lnL>
                     <a:lnR w="12700">
                       <a:solidFill>
-                        <a:srgbClr val="000000"/>
+                        <a:srgbClr val="000000">
+                          <a:alpha val="100000"/>
+                        </a:srgbClr>
                       </a:solidFill>
                       <a:prstDash val="solid"/>
                     </a:lnR>
                     <a:lnT w="12700">
                       <a:solidFill>
-                        <a:srgbClr val="000000"/>
+                        <a:srgbClr val="000000">
+                          <a:alpha val="100000"/>
+                        </a:srgbClr>
                       </a:solidFill>
                       <a:prstDash val="solid"/>
                     </a:lnT>
                     <a:lnB w="12700">
                       <a:solidFill>
-                        <a:srgbClr val="000000"/>
+                        <a:srgbClr val="000000">
+                          <a:alpha val="100000"/>
+                        </a:srgbClr>
                       </a:solidFill>
                       <a:prstDash val="solid"/>
                     </a:lnB>
                     <a:solidFill>
-                      <a:srgbClr val="FFFFFF"/>
+                      <a:srgbClr val="FFFFFF">
+                        <a:alpha val="0"/>
+                      </a:srgbClr>
                     </a:solidFill>
                   </a:tcPr>
                 </a:tc>
@@ -12518,7 +12879,9 @@
                       <a:r>
                         <a:rPr sz="1100">
                           <a:solidFill>
-                            <a:srgbClr val="000000"/>
+                            <a:srgbClr val="000000">
+                              <a:alpha val="100000"/>
+                            </a:srgbClr>
                           </a:solidFill>
                           <a:latin typeface="Times New Roman"/>
                           <a:ea typeface="Times New Roman"/>
@@ -12529,7 +12892,9 @@
                       <a:r>
                         <a:rPr sz="1100">
                           <a:solidFill>
-                            <a:srgbClr val="000000"/>
+                            <a:srgbClr val="000000">
+                              <a:alpha val="100000"/>
+                            </a:srgbClr>
                           </a:solidFill>
                           <a:latin typeface="Times New Roman"/>
                           <a:ea typeface="Times New Roman"/>
@@ -12542,30 +12907,40 @@
                   <a:tcPr anchor="ctr" marB="0" marT="0" marR="0" marL="0">
                     <a:lnL w="12700">
                       <a:solidFill>
-                        <a:srgbClr val="000000"/>
+                        <a:srgbClr val="000000">
+                          <a:alpha val="100000"/>
+                        </a:srgbClr>
                       </a:solidFill>
                       <a:prstDash val="solid"/>
                     </a:lnL>
                     <a:lnR w="12700">
                       <a:solidFill>
-                        <a:srgbClr val="000000"/>
+                        <a:srgbClr val="000000">
+                          <a:alpha val="100000"/>
+                        </a:srgbClr>
                       </a:solidFill>
                       <a:prstDash val="solid"/>
                     </a:lnR>
                     <a:lnT w="12700">
                       <a:solidFill>
-                        <a:srgbClr val="000000"/>
+                        <a:srgbClr val="000000">
+                          <a:alpha val="100000"/>
+                        </a:srgbClr>
                       </a:solidFill>
                       <a:prstDash val="solid"/>
                     </a:lnT>
                     <a:lnB w="12700">
                       <a:solidFill>
-                        <a:srgbClr val="000000"/>
+                        <a:srgbClr val="000000">
+                          <a:alpha val="100000"/>
+                        </a:srgbClr>
                       </a:solidFill>
                       <a:prstDash val="solid"/>
                     </a:lnB>
                     <a:solidFill>
-                      <a:srgbClr val="FFFFFF"/>
+                      <a:srgbClr val="FFFFFF">
+                        <a:alpha val="0"/>
+                      </a:srgbClr>
                     </a:solidFill>
                   </a:tcPr>
                 </a:tc>
@@ -12588,7 +12963,9 @@
                       <a:r>
                         <a:rPr sz="1100">
                           <a:solidFill>
-                            <a:srgbClr val="000000"/>
+                            <a:srgbClr val="000000">
+                              <a:alpha val="100000"/>
+                            </a:srgbClr>
                           </a:solidFill>
                           <a:latin typeface="Times New Roman"/>
                           <a:ea typeface="Times New Roman"/>
@@ -12599,7 +12976,9 @@
                       <a:r>
                         <a:rPr sz="1100">
                           <a:solidFill>
-                            <a:srgbClr val="000000"/>
+                            <a:srgbClr val="000000">
+                              <a:alpha val="100000"/>
+                            </a:srgbClr>
                           </a:solidFill>
                           <a:latin typeface="Times New Roman"/>
                           <a:ea typeface="Times New Roman"/>
@@ -12612,30 +12991,40 @@
                   <a:tcPr anchor="ctr" marB="0" marT="0" marR="0" marL="0">
                     <a:lnL w="12700">
                       <a:solidFill>
-                        <a:srgbClr val="000000"/>
+                        <a:srgbClr val="000000">
+                          <a:alpha val="100000"/>
+                        </a:srgbClr>
                       </a:solidFill>
                       <a:prstDash val="solid"/>
                     </a:lnL>
                     <a:lnR w="12700">
                       <a:solidFill>
-                        <a:srgbClr val="000000"/>
+                        <a:srgbClr val="000000">
+                          <a:alpha val="100000"/>
+                        </a:srgbClr>
                       </a:solidFill>
                       <a:prstDash val="solid"/>
                     </a:lnR>
                     <a:lnT w="12700">
                       <a:solidFill>
-                        <a:srgbClr val="000000"/>
+                        <a:srgbClr val="000000">
+                          <a:alpha val="100000"/>
+                        </a:srgbClr>
                       </a:solidFill>
                       <a:prstDash val="solid"/>
                     </a:lnT>
                     <a:lnB w="12700">
                       <a:solidFill>
-                        <a:srgbClr val="000000"/>
+                        <a:srgbClr val="000000">
+                          <a:alpha val="100000"/>
+                        </a:srgbClr>
                       </a:solidFill>
                       <a:prstDash val="solid"/>
                     </a:lnB>
                     <a:solidFill>
-                      <a:srgbClr val="FFFFFF"/>
+                      <a:srgbClr val="FFFFFF">
+                        <a:alpha val="0"/>
+                      </a:srgbClr>
                     </a:solidFill>
                   </a:tcPr>
                 </a:tc>
@@ -12656,7 +13045,9 @@
                       <a:r>
                         <a:rPr sz="1100">
                           <a:solidFill>
-                            <a:srgbClr val="000000"/>
+                            <a:srgbClr val="000000">
+                              <a:alpha val="100000"/>
+                            </a:srgbClr>
                           </a:solidFill>
                           <a:latin typeface="Times New Roman"/>
                           <a:ea typeface="Times New Roman"/>
@@ -12667,7 +13058,9 @@
                       <a:r>
                         <a:rPr sz="1100">
                           <a:solidFill>
-                            <a:srgbClr val="000000"/>
+                            <a:srgbClr val="000000">
+                              <a:alpha val="100000"/>
+                            </a:srgbClr>
                           </a:solidFill>
                           <a:latin typeface="Times New Roman"/>
                           <a:ea typeface="Times New Roman"/>
@@ -12680,30 +13073,40 @@
                   <a:tcPr anchor="ctr" marB="0" marT="0" marR="0" marL="0">
                     <a:lnL w="12700">
                       <a:solidFill>
-                        <a:srgbClr val="000000"/>
+                        <a:srgbClr val="000000">
+                          <a:alpha val="100000"/>
+                        </a:srgbClr>
                       </a:solidFill>
                       <a:prstDash val="solid"/>
                     </a:lnL>
                     <a:lnR w="12700">
                       <a:solidFill>
-                        <a:srgbClr val="000000"/>
+                        <a:srgbClr val="000000">
+                          <a:alpha val="100000"/>
+                        </a:srgbClr>
                       </a:solidFill>
                       <a:prstDash val="solid"/>
                     </a:lnR>
                     <a:lnT w="12700">
                       <a:solidFill>
-                        <a:srgbClr val="000000"/>
+                        <a:srgbClr val="000000">
+                          <a:alpha val="100000"/>
+                        </a:srgbClr>
                       </a:solidFill>
                       <a:prstDash val="solid"/>
                     </a:lnT>
                     <a:lnB w="12700">
                       <a:solidFill>
-                        <a:srgbClr val="000000"/>
+                        <a:srgbClr val="000000">
+                          <a:alpha val="100000"/>
+                        </a:srgbClr>
                       </a:solidFill>
                       <a:prstDash val="solid"/>
                     </a:lnB>
                     <a:solidFill>
-                      <a:srgbClr val="FFFFFF"/>
+                      <a:srgbClr val="FFFFFF">
+                        <a:alpha val="0"/>
+                      </a:srgbClr>
                     </a:solidFill>
                   </a:tcPr>
                 </a:tc>
@@ -12724,7 +13127,9 @@
                       <a:r>
                         <a:rPr sz="1100">
                           <a:solidFill>
-                            <a:srgbClr val="000000"/>
+                            <a:srgbClr val="000000">
+                              <a:alpha val="100000"/>
+                            </a:srgbClr>
                           </a:solidFill>
                           <a:latin typeface="Times New Roman"/>
                           <a:ea typeface="Times New Roman"/>
@@ -12735,7 +13140,9 @@
                       <a:r>
                         <a:rPr sz="1100">
                           <a:solidFill>
-                            <a:srgbClr val="000000"/>
+                            <a:srgbClr val="000000">
+                              <a:alpha val="100000"/>
+                            </a:srgbClr>
                           </a:solidFill>
                           <a:latin typeface="Times New Roman"/>
                           <a:ea typeface="Times New Roman"/>
@@ -12748,30 +13155,40 @@
                   <a:tcPr anchor="ctr" marB="0" marT="0" marR="0" marL="0">
                     <a:lnL w="12700">
                       <a:solidFill>
-                        <a:srgbClr val="000000"/>
+                        <a:srgbClr val="000000">
+                          <a:alpha val="100000"/>
+                        </a:srgbClr>
                       </a:solidFill>
                       <a:prstDash val="solid"/>
                     </a:lnL>
                     <a:lnR w="12700">
                       <a:solidFill>
-                        <a:srgbClr val="000000"/>
+                        <a:srgbClr val="000000">
+                          <a:alpha val="100000"/>
+                        </a:srgbClr>
                       </a:solidFill>
                       <a:prstDash val="solid"/>
                     </a:lnR>
                     <a:lnT w="12700">
                       <a:solidFill>
-                        <a:srgbClr val="000000"/>
+                        <a:srgbClr val="000000">
+                          <a:alpha val="100000"/>
+                        </a:srgbClr>
                       </a:solidFill>
                       <a:prstDash val="solid"/>
                     </a:lnT>
                     <a:lnB w="12700">
                       <a:solidFill>
-                        <a:srgbClr val="000000"/>
+                        <a:srgbClr val="000000">
+                          <a:alpha val="100000"/>
+                        </a:srgbClr>
                       </a:solidFill>
                       <a:prstDash val="solid"/>
                     </a:lnB>
                     <a:solidFill>
-                      <a:srgbClr val="FFFFFF"/>
+                      <a:srgbClr val="FFFFFF">
+                        <a:alpha val="0"/>
+                      </a:srgbClr>
                     </a:solidFill>
                   </a:tcPr>
                 </a:tc>
@@ -12792,7 +13209,9 @@
                       <a:r>
                         <a:rPr sz="1100">
                           <a:solidFill>
-                            <a:srgbClr val="000000"/>
+                            <a:srgbClr val="000000">
+                              <a:alpha val="100000"/>
+                            </a:srgbClr>
                           </a:solidFill>
                           <a:latin typeface="Times New Roman"/>
                           <a:ea typeface="Times New Roman"/>
@@ -12803,7 +13222,9 @@
                       <a:r>
                         <a:rPr sz="1100">
                           <a:solidFill>
-                            <a:srgbClr val="000000"/>
+                            <a:srgbClr val="000000">
+                              <a:alpha val="100000"/>
+                            </a:srgbClr>
                           </a:solidFill>
                           <a:latin typeface="Times New Roman"/>
                           <a:ea typeface="Times New Roman"/>
@@ -12816,30 +13237,40 @@
                   <a:tcPr anchor="ctr" marB="0" marT="0" marR="0" marL="0">
                     <a:lnL w="12700">
                       <a:solidFill>
-                        <a:srgbClr val="000000"/>
+                        <a:srgbClr val="000000">
+                          <a:alpha val="100000"/>
+                        </a:srgbClr>
                       </a:solidFill>
                       <a:prstDash val="solid"/>
                     </a:lnL>
                     <a:lnR w="12700">
                       <a:solidFill>
-                        <a:srgbClr val="000000"/>
+                        <a:srgbClr val="000000">
+                          <a:alpha val="100000"/>
+                        </a:srgbClr>
                       </a:solidFill>
                       <a:prstDash val="solid"/>
                     </a:lnR>
                     <a:lnT w="12700">
                       <a:solidFill>
-                        <a:srgbClr val="000000"/>
+                        <a:srgbClr val="000000">
+                          <a:alpha val="100000"/>
+                        </a:srgbClr>
                       </a:solidFill>
                       <a:prstDash val="solid"/>
                     </a:lnT>
                     <a:lnB w="12700">
                       <a:solidFill>
-                        <a:srgbClr val="000000"/>
+                        <a:srgbClr val="000000">
+                          <a:alpha val="100000"/>
+                        </a:srgbClr>
                       </a:solidFill>
                       <a:prstDash val="solid"/>
                     </a:lnB>
                     <a:solidFill>
-                      <a:srgbClr val="FFFFFF"/>
+                      <a:srgbClr val="FFFFFF">
+                        <a:alpha val="0"/>
+                      </a:srgbClr>
                     </a:solidFill>
                   </a:tcPr>
                 </a:tc>
@@ -12860,7 +13291,9 @@
                       <a:r>
                         <a:rPr sz="1100">
                           <a:solidFill>
-                            <a:srgbClr val="000000"/>
+                            <a:srgbClr val="000000">
+                              <a:alpha val="100000"/>
+                            </a:srgbClr>
                           </a:solidFill>
                           <a:latin typeface="Times New Roman"/>
                           <a:ea typeface="Times New Roman"/>
@@ -12871,7 +13304,9 @@
                       <a:r>
                         <a:rPr sz="1100">
                           <a:solidFill>
-                            <a:srgbClr val="000000"/>
+                            <a:srgbClr val="000000">
+                              <a:alpha val="100000"/>
+                            </a:srgbClr>
                           </a:solidFill>
                           <a:latin typeface="Times New Roman"/>
                           <a:ea typeface="Times New Roman"/>
@@ -12884,30 +13319,40 @@
                   <a:tcPr anchor="ctr" marB="0" marT="0" marR="0" marL="0">
                     <a:lnL w="12700">
                       <a:solidFill>
-                        <a:srgbClr val="000000"/>
+                        <a:srgbClr val="000000">
+                          <a:alpha val="100000"/>
+                        </a:srgbClr>
                       </a:solidFill>
                       <a:prstDash val="solid"/>
                     </a:lnL>
                     <a:lnR w="12700">
                       <a:solidFill>
-                        <a:srgbClr val="000000"/>
+                        <a:srgbClr val="000000">
+                          <a:alpha val="100000"/>
+                        </a:srgbClr>
                       </a:solidFill>
                       <a:prstDash val="solid"/>
                     </a:lnR>
                     <a:lnT w="12700">
                       <a:solidFill>
-                        <a:srgbClr val="000000"/>
+                        <a:srgbClr val="000000">
+                          <a:alpha val="100000"/>
+                        </a:srgbClr>
                       </a:solidFill>
                       <a:prstDash val="solid"/>
                     </a:lnT>
                     <a:lnB w="12700">
                       <a:solidFill>
-                        <a:srgbClr val="000000"/>
+                        <a:srgbClr val="000000">
+                          <a:alpha val="100000"/>
+                        </a:srgbClr>
                       </a:solidFill>
                       <a:prstDash val="solid"/>
                     </a:lnB>
                     <a:solidFill>
-                      <a:srgbClr val="FFFFFF"/>
+                      <a:srgbClr val="FFFFFF">
+                        <a:alpha val="0"/>
+                      </a:srgbClr>
                     </a:solidFill>
                   </a:tcPr>
                 </a:tc>
